--- a/Presentation/Presentation.pptx
+++ b/Presentation/Presentation.pptx
@@ -3162,10 +3162,6 @@
               <a:rPr lang="fr-FR" dirty="0"/>
               <a:t> </a:t>
             </a:r>
-            <a:r>
-              <a:rPr lang="fr-FR" dirty="0"/>
-              <a:t/>
-            </a:r>
             <a:br>
               <a:rPr lang="fr-FR" dirty="0"/>
             </a:br>
@@ -3271,7 +3267,6 @@
               <a:rPr lang="fr-FR" sz="2400" dirty="0"/>
               <a:t>David </a:t>
             </a:r>
-            <a:endParaRPr lang="fr-FR" sz="2400" dirty="0"/>
           </a:p>
           <a:p>
             <a:endParaRPr lang="fr-FR" sz="2400" dirty="0"/>
@@ -3288,6 +3283,13 @@
   <p:clrMapOvr>
     <a:masterClrMapping/>
   </p:clrMapOvr>
+  <p:timing>
+    <p:tnLst>
+      <p:par>
+        <p:cTn xmlns:p14="http://schemas.microsoft.com/office/powerpoint/2010/main" id="1" dur="indefinite" restart="never" nodeType="tmRoot"/>
+      </p:par>
+    </p:tnLst>
+  </p:timing>
 </p:sld>
 </file>
 
@@ -3433,6 +3435,13 @@
   <p:clrMapOvr>
     <a:masterClrMapping/>
   </p:clrMapOvr>
+  <p:timing>
+    <p:tnLst>
+      <p:par>
+        <p:cTn xmlns:p14="http://schemas.microsoft.com/office/powerpoint/2010/main" id="1" dur="indefinite" restart="never" nodeType="tmRoot"/>
+      </p:par>
+    </p:tnLst>
+  </p:timing>
 </p:sld>
 </file>
 
@@ -3581,6 +3590,13 @@
   <p:clrMapOvr>
     <a:masterClrMapping/>
   </p:clrMapOvr>
+  <p:timing>
+    <p:tnLst>
+      <p:par>
+        <p:cTn xmlns:p14="http://schemas.microsoft.com/office/powerpoint/2010/main" id="1" dur="indefinite" restart="never" nodeType="tmRoot"/>
+      </p:par>
+    </p:tnLst>
+  </p:timing>
 </p:sld>
 </file>
 
@@ -3636,7 +3652,9 @@
         </p:nvSpPr>
         <p:spPr/>
         <p:txBody>
-          <a:bodyPr/>
+          <a:bodyPr>
+            <a:normAutofit/>
+          </a:bodyPr>
           <a:lstStyle/>
           <a:p>
             <a:r>
@@ -3684,6 +3702,21 @@
             </a:r>
           </a:p>
           <a:p>
+            <a:pPr lvl="2"/>
+            <a:r>
+              <a:rPr lang="fr-FR" dirty="0" smtClean="0"/>
+              <a:t>[</a:t>
+            </a:r>
+            <a:r>
+              <a:rPr lang="fr-FR" dirty="0" err="1" smtClean="0"/>
+              <a:t>img</a:t>
+            </a:r>
+            <a:r>
+              <a:rPr lang="fr-FR" dirty="0" smtClean="0"/>
+              <a:t>]</a:t>
+            </a:r>
+          </a:p>
+          <a:p>
             <a:pPr lvl="1"/>
             <a:r>
               <a:rPr lang="fr-FR" dirty="0" err="1" smtClean="0"/>
@@ -3700,6 +3733,22 @@
             <a:r>
               <a:rPr lang="fr-FR" dirty="0" smtClean="0"/>
               <a:t> motion model</a:t>
+            </a:r>
+            <a:endParaRPr lang="fr-FR" dirty="0"/>
+          </a:p>
+          <a:p>
+            <a:pPr lvl="2"/>
+            <a:r>
+              <a:rPr lang="fr-FR" dirty="0"/>
+              <a:t>[</a:t>
+            </a:r>
+            <a:r>
+              <a:rPr lang="fr-FR" dirty="0" err="1"/>
+              <a:t>img</a:t>
+            </a:r>
+            <a:r>
+              <a:rPr lang="fr-FR" dirty="0" smtClean="0"/>
+              <a:t>]</a:t>
             </a:r>
           </a:p>
           <a:p>
@@ -3917,7 +3966,6 @@
               <a:rPr lang="fr-FR" dirty="0"/>
               <a:t> motion model </a:t>
             </a:r>
-            <a:endParaRPr lang="fr-FR" dirty="0"/>
           </a:p>
           <a:p>
             <a:pPr lvl="1"/>
@@ -4083,7 +4131,6 @@
               <a:rPr lang="cs-CZ" dirty="0"/>
               <a:t>∆ t </a:t>
             </a:r>
-            <a:endParaRPr lang="cs-CZ" dirty="0"/>
           </a:p>
           <a:p>
             <a:pPr lvl="1"/>
@@ -4378,11 +4425,7 @@
           <a:p>
             <a:r>
               <a:rPr lang="fr-FR" dirty="0" smtClean="0"/>
-              <a:t>Last </a:t>
-            </a:r>
-            <a:r>
-              <a:rPr lang="fr-FR" dirty="0" err="1" smtClean="0"/>
-              <a:t>words</a:t>
+              <a:t>Conclusion</a:t>
             </a:r>
             <a:endParaRPr lang="fr-FR" dirty="0"/>
           </a:p>
@@ -4400,16 +4443,216 @@
         </p:nvSpPr>
         <p:spPr/>
         <p:txBody>
-          <a:bodyPr/>
-          <a:lstStyle/>
-          <a:p>
-            <a:r>
-              <a:rPr lang="fr-FR" dirty="0" err="1" smtClean="0"/>
-              <a:t>You’ll</a:t>
-            </a:r>
-            <a:r>
-              <a:rPr lang="fr-FR" dirty="0" smtClean="0"/>
-              <a:t> die</a:t>
+          <a:bodyPr>
+            <a:normAutofit fontScale="92500" lnSpcReduction="10000"/>
+          </a:bodyPr>
+          <a:lstStyle/>
+          <a:p>
+            <a:r>
+              <a:rPr lang="fr-FR" dirty="0" smtClean="0"/>
+              <a:t>The more </a:t>
+            </a:r>
+            <a:r>
+              <a:rPr lang="fr-FR" dirty="0" err="1" smtClean="0"/>
+              <a:t>complex</a:t>
+            </a:r>
+            <a:r>
+              <a:rPr lang="fr-FR" dirty="0" smtClean="0"/>
+              <a:t> the motion model, the more </a:t>
+            </a:r>
+            <a:r>
+              <a:rPr lang="fr-FR" dirty="0" err="1" smtClean="0"/>
+              <a:t>accurate</a:t>
+            </a:r>
+            <a:r>
+              <a:rPr lang="fr-FR" dirty="0" smtClean="0"/>
+              <a:t> the </a:t>
+            </a:r>
+            <a:r>
+              <a:rPr lang="fr-FR" dirty="0" err="1" smtClean="0"/>
+              <a:t>predictor</a:t>
+            </a:r>
+            <a:r>
+              <a:rPr lang="fr-FR" dirty="0" smtClean="0"/>
+              <a:t>. But one has to </a:t>
+            </a:r>
+            <a:r>
+              <a:rPr lang="fr-FR" dirty="0" err="1" smtClean="0"/>
+              <a:t>keep</a:t>
+            </a:r>
+            <a:r>
+              <a:rPr lang="fr-FR" dirty="0" smtClean="0"/>
+              <a:t> in </a:t>
+            </a:r>
+            <a:r>
+              <a:rPr lang="fr-FR" dirty="0" err="1" smtClean="0"/>
+              <a:t>mind</a:t>
+            </a:r>
+            <a:r>
+              <a:rPr lang="fr-FR" dirty="0" smtClean="0"/>
+              <a:t> the </a:t>
+            </a:r>
+            <a:r>
+              <a:rPr lang="fr-FR" dirty="0" err="1" smtClean="0"/>
+              <a:t>computational</a:t>
+            </a:r>
+            <a:r>
+              <a:rPr lang="fr-FR" dirty="0" smtClean="0"/>
+              <a:t> </a:t>
+            </a:r>
+            <a:r>
+              <a:rPr lang="fr-FR" dirty="0" err="1" smtClean="0"/>
+              <a:t>cost</a:t>
+            </a:r>
+            <a:r>
+              <a:rPr lang="fr-FR" dirty="0" smtClean="0"/>
+              <a:t>.</a:t>
+            </a:r>
+          </a:p>
+          <a:p>
+            <a:pPr marL="0" indent="0">
+              <a:buNone/>
+            </a:pPr>
+            <a:endParaRPr lang="fr-FR" dirty="0" smtClean="0"/>
+          </a:p>
+          <a:p>
+            <a:r>
+              <a:rPr lang="fr-FR" dirty="0" err="1" smtClean="0"/>
+              <a:t>Further</a:t>
+            </a:r>
+            <a:r>
+              <a:rPr lang="fr-FR" dirty="0" smtClean="0"/>
+              <a:t> possible optimisation : </a:t>
+            </a:r>
+          </a:p>
+          <a:p>
+            <a:pPr lvl="1"/>
+            <a:r>
+              <a:rPr lang="fr-FR" dirty="0" err="1" smtClean="0"/>
+              <a:t>Consider</a:t>
+            </a:r>
+            <a:r>
+              <a:rPr lang="fr-FR" dirty="0" smtClean="0"/>
+              <a:t> a motion model </a:t>
+            </a:r>
+            <a:r>
+              <a:rPr lang="fr-FR" dirty="0" err="1" smtClean="0"/>
+              <a:t>specific</a:t>
+            </a:r>
+            <a:r>
+              <a:rPr lang="fr-FR" dirty="0" smtClean="0"/>
+              <a:t> to the </a:t>
+            </a:r>
+            <a:r>
+              <a:rPr lang="fr-FR" dirty="0" err="1" smtClean="0"/>
+              <a:t>quadrotor</a:t>
+            </a:r>
+            <a:r>
+              <a:rPr lang="fr-FR" dirty="0" smtClean="0"/>
+              <a:t> </a:t>
+            </a:r>
+            <a:r>
+              <a:rPr lang="fr-FR" dirty="0" err="1" smtClean="0"/>
+              <a:t>tracked</a:t>
+            </a:r>
+            <a:r>
+              <a:rPr lang="fr-FR" dirty="0" smtClean="0"/>
+              <a:t> (</a:t>
+            </a:r>
+            <a:r>
+              <a:rPr lang="fr-FR" dirty="0" err="1" smtClean="0"/>
+              <a:t>necessitates</a:t>
+            </a:r>
+            <a:r>
+              <a:rPr lang="fr-FR" dirty="0" smtClean="0"/>
+              <a:t> a more </a:t>
+            </a:r>
+            <a:r>
+              <a:rPr lang="fr-FR" dirty="0" err="1" smtClean="0"/>
+              <a:t>advanced</a:t>
+            </a:r>
+            <a:r>
+              <a:rPr lang="fr-FR" dirty="0" smtClean="0"/>
+              <a:t> </a:t>
+            </a:r>
+            <a:r>
+              <a:rPr lang="fr-FR" dirty="0" err="1" smtClean="0"/>
+              <a:t>analysis</a:t>
+            </a:r>
+            <a:r>
+              <a:rPr lang="fr-FR" dirty="0" smtClean="0"/>
+              <a:t> of the </a:t>
+            </a:r>
+            <a:r>
+              <a:rPr lang="fr-FR" dirty="0" err="1" smtClean="0"/>
+              <a:t>dynamics</a:t>
+            </a:r>
+            <a:r>
+              <a:rPr lang="fr-FR" dirty="0" smtClean="0"/>
+              <a:t> of the </a:t>
+            </a:r>
+            <a:r>
+              <a:rPr lang="fr-FR" dirty="0" err="1" smtClean="0"/>
+              <a:t>plateform</a:t>
+            </a:r>
+            <a:r>
+              <a:rPr lang="fr-FR" dirty="0" smtClean="0"/>
+              <a:t>)</a:t>
+            </a:r>
+          </a:p>
+          <a:p>
+            <a:pPr lvl="1"/>
+            <a:r>
+              <a:rPr lang="fr-FR" dirty="0" smtClean="0"/>
+              <a:t> </a:t>
+            </a:r>
+            <a:r>
+              <a:rPr lang="fr-FR" dirty="0" err="1" smtClean="0"/>
+              <a:t>Consider</a:t>
+            </a:r>
+            <a:r>
+              <a:rPr lang="fr-FR" dirty="0" smtClean="0"/>
+              <a:t> </a:t>
+            </a:r>
+            <a:r>
+              <a:rPr lang="fr-FR" dirty="0" err="1" smtClean="0"/>
+              <a:t>that</a:t>
+            </a:r>
+            <a:r>
+              <a:rPr lang="fr-FR" dirty="0" smtClean="0"/>
+              <a:t> the </a:t>
+            </a:r>
+            <a:r>
+              <a:rPr lang="fr-FR" dirty="0" err="1" smtClean="0"/>
+              <a:t>waypoint</a:t>
+            </a:r>
+            <a:r>
+              <a:rPr lang="fr-FR" dirty="0" smtClean="0"/>
+              <a:t> data </a:t>
+            </a:r>
+            <a:r>
+              <a:rPr lang="fr-FR" dirty="0" err="1" smtClean="0"/>
+              <a:t>is</a:t>
+            </a:r>
+            <a:r>
+              <a:rPr lang="fr-FR" dirty="0" smtClean="0"/>
+              <a:t> not </a:t>
+            </a:r>
+            <a:r>
+              <a:rPr lang="fr-FR" dirty="0" err="1" smtClean="0"/>
+              <a:t>perfect</a:t>
+            </a:r>
+            <a:r>
+              <a:rPr lang="fr-FR" dirty="0" smtClean="0"/>
+              <a:t> (i.e. </a:t>
+            </a:r>
+            <a:r>
+              <a:rPr lang="fr-FR" dirty="0" err="1" smtClean="0"/>
+              <a:t>consider</a:t>
+            </a:r>
+            <a:r>
+              <a:rPr lang="fr-FR" dirty="0" smtClean="0"/>
+              <a:t> GPS data noise)</a:t>
             </a:r>
           </a:p>
           <a:p>

--- a/Presentation/Presentation.pptx
+++ b/Presentation/Presentation.pptx
@@ -3179,7 +3179,12 @@
             <p:ph type="subTitle" idx="1"/>
           </p:nvPr>
         </p:nvSpPr>
-        <p:spPr/>
+        <p:spPr>
+          <a:xfrm>
+            <a:off x="1371600" y="3942900"/>
+            <a:ext cx="6400800" cy="1752600"/>
+          </a:xfrm>
+        </p:spPr>
         <p:txBody>
           <a:bodyPr>
             <a:normAutofit/>
@@ -3348,6 +3353,9 @@
           <a:bodyPr/>
           <a:lstStyle/>
           <a:p>
+            <a:endParaRPr lang="fr-FR" dirty="0" smtClean="0"/>
+          </a:p>
+          <a:p>
             <a:r>
               <a:rPr lang="fr-FR" dirty="0" smtClean="0"/>
               <a:t>Dimension </a:t>
@@ -3380,6 +3388,13 @@
               <a:rPr lang="fr-FR" dirty="0" smtClean="0"/>
               <a:t> on X, Y and Z axis </a:t>
             </a:r>
+            <a:endParaRPr lang="fr-FR" dirty="0" smtClean="0"/>
+          </a:p>
+          <a:p>
+            <a:pPr marL="457200" lvl="1" indent="0">
+              <a:buNone/>
+            </a:pPr>
+            <a:endParaRPr lang="fr-FR" dirty="0" smtClean="0"/>
           </a:p>
           <a:p>
             <a:r>
@@ -3396,15 +3411,27 @@
             </a:r>
             <a:r>
               <a:rPr lang="fr-FR" dirty="0" smtClean="0"/>
-              <a:t> (pos &amp; </a:t>
-            </a:r>
-            <a:r>
-              <a:rPr lang="fr-FR" dirty="0" err="1" smtClean="0"/>
-              <a:t>vel</a:t>
-            </a:r>
-            <a:r>
-              <a:rPr lang="fr-FR" dirty="0" smtClean="0"/>
-              <a:t> of </a:t>
+              <a:t> (</a:t>
+            </a:r>
+            <a:r>
+              <a:rPr lang="fr-FR" dirty="0" smtClean="0"/>
+              <a:t>position </a:t>
+            </a:r>
+            <a:r>
+              <a:rPr lang="fr-FR" dirty="0" smtClean="0"/>
+              <a:t>&amp; </a:t>
+            </a:r>
+            <a:r>
+              <a:rPr lang="fr-FR" dirty="0" err="1" smtClean="0"/>
+              <a:t>velocity</a:t>
+            </a:r>
+            <a:r>
+              <a:rPr lang="fr-FR" dirty="0" smtClean="0"/>
+              <a:t> </a:t>
+            </a:r>
+            <a:r>
+              <a:rPr lang="fr-FR" dirty="0" smtClean="0"/>
+              <a:t>of </a:t>
             </a:r>
             <a:r>
               <a:rPr lang="fr-FR" dirty="0" err="1" smtClean="0"/>
@@ -3412,11 +3439,27 @@
             </a:r>
             <a:r>
               <a:rPr lang="fr-FR" dirty="0" smtClean="0"/>
-              <a:t> Quad) as no </a:t>
+              <a:t> </a:t>
+            </a:r>
+            <a:r>
+              <a:rPr lang="fr-FR" dirty="0" err="1" smtClean="0"/>
+              <a:t>Quadcopter</a:t>
+            </a:r>
+            <a:r>
+              <a:rPr lang="fr-FR" dirty="0" smtClean="0"/>
+              <a:t>) has </a:t>
+            </a:r>
+            <a:r>
+              <a:rPr lang="fr-FR" dirty="0" smtClean="0"/>
+              <a:t>no </a:t>
             </a:r>
             <a:r>
               <a:rPr lang="fr-FR" dirty="0" err="1" smtClean="0"/>
               <a:t>error</a:t>
+            </a:r>
+            <a:r>
+              <a:rPr lang="fr-FR" dirty="0" smtClean="0"/>
+              <a:t>.</a:t>
             </a:r>
             <a:endParaRPr lang="fr-FR" dirty="0" smtClean="0"/>
           </a:p>
@@ -3832,6 +3875,13 @@
   <p:clrMapOvr>
     <a:masterClrMapping/>
   </p:clrMapOvr>
+  <p:timing>
+    <p:tnLst>
+      <p:par>
+        <p:cTn xmlns:p14="http://schemas.microsoft.com/office/powerpoint/2010/main" id="1" dur="indefinite" restart="never" nodeType="tmRoot"/>
+      </p:par>
+    </p:tnLst>
+  </p:timing>
 </p:sld>
 </file>
 

--- a/Presentation/Presentation.pptx
+++ b/Presentation/Presentation.pptx
@@ -3327,14 +3327,16 @@
         </p:nvSpPr>
         <p:spPr/>
         <p:txBody>
-          <a:bodyPr/>
-          <a:lstStyle/>
-          <a:p>
-            <a:r>
-              <a:rPr lang="fr-FR" dirty="0" err="1" smtClean="0"/>
+          <a:bodyPr>
+            <a:normAutofit/>
+          </a:bodyPr>
+          <a:lstStyle/>
+          <a:p>
+            <a:r>
+              <a:rPr lang="fr-FR" sz="5000" dirty="0" err="1" smtClean="0"/>
               <a:t>Hypothesis</a:t>
             </a:r>
-            <a:endParaRPr lang="fr-FR" dirty="0"/>
+            <a:endParaRPr lang="fr-FR" sz="5000" dirty="0"/>
           </a:p>
         </p:txBody>
       </p:sp>
@@ -3388,7 +3390,6 @@
               <a:rPr lang="fr-FR" dirty="0" smtClean="0"/>
               <a:t> on X, Y and Z axis </a:t>
             </a:r>
-            <a:endParaRPr lang="fr-FR" dirty="0" smtClean="0"/>
           </a:p>
           <a:p>
             <a:pPr marL="457200" lvl="1" indent="0">
@@ -3411,15 +3412,7 @@
             </a:r>
             <a:r>
               <a:rPr lang="fr-FR" dirty="0" smtClean="0"/>
-              <a:t> (</a:t>
-            </a:r>
-            <a:r>
-              <a:rPr lang="fr-FR" dirty="0" smtClean="0"/>
-              <a:t>position </a:t>
-            </a:r>
-            <a:r>
-              <a:rPr lang="fr-FR" dirty="0" smtClean="0"/>
-              <a:t>&amp; </a:t>
+              <a:t> (position &amp; </a:t>
             </a:r>
             <a:r>
               <a:rPr lang="fr-FR" dirty="0" err="1" smtClean="0"/>
@@ -3427,31 +3420,23 @@
             </a:r>
             <a:r>
               <a:rPr lang="fr-FR" dirty="0" smtClean="0"/>
+              <a:t> of </a:t>
+            </a:r>
+            <a:r>
+              <a:rPr lang="fr-FR" dirty="0" err="1" smtClean="0"/>
+              <a:t>tracked</a:t>
+            </a:r>
+            <a:r>
+              <a:rPr lang="fr-FR" dirty="0" smtClean="0"/>
               <a:t> </a:t>
             </a:r>
             <a:r>
-              <a:rPr lang="fr-FR" dirty="0" smtClean="0"/>
-              <a:t>of </a:t>
-            </a:r>
-            <a:r>
-              <a:rPr lang="fr-FR" dirty="0" err="1" smtClean="0"/>
-              <a:t>tracked</a:t>
-            </a:r>
-            <a:r>
-              <a:rPr lang="fr-FR" dirty="0" smtClean="0"/>
-              <a:t> </a:t>
-            </a:r>
-            <a:r>
               <a:rPr lang="fr-FR" dirty="0" err="1" smtClean="0"/>
               <a:t>Quadcopter</a:t>
             </a:r>
             <a:r>
               <a:rPr lang="fr-FR" dirty="0" smtClean="0"/>
-              <a:t>) has </a:t>
-            </a:r>
-            <a:r>
-              <a:rPr lang="fr-FR" dirty="0" smtClean="0"/>
-              <a:t>no </a:t>
+              <a:t>) has no </a:t>
             </a:r>
             <a:r>
               <a:rPr lang="fr-FR" dirty="0" err="1" smtClean="0"/>
@@ -3461,7 +3446,6 @@
               <a:rPr lang="fr-FR" dirty="0" smtClean="0"/>
               <a:t>.</a:t>
             </a:r>
-            <a:endParaRPr lang="fr-FR" dirty="0" smtClean="0"/>
           </a:p>
           <a:p>
             <a:endParaRPr lang="fr-FR" dirty="0" smtClean="0"/>
@@ -3521,10 +3505,10 @@
           <a:lstStyle/>
           <a:p>
             <a:r>
-              <a:rPr lang="fr-FR" dirty="0" err="1" smtClean="0"/>
+              <a:rPr lang="fr-FR" sz="5000" dirty="0" err="1" smtClean="0"/>
               <a:t>Approach</a:t>
             </a:r>
-            <a:endParaRPr lang="fr-FR" dirty="0"/>
+            <a:endParaRPr lang="fr-FR" sz="5000" dirty="0"/>
           </a:p>
         </p:txBody>
       </p:sp>
@@ -3555,74 +3539,266 @@
             <a:pPr marL="0" indent="0">
               <a:buNone/>
             </a:pPr>
-            <a:endParaRPr lang="fr-FR" dirty="0" smtClean="0"/>
+            <a:endParaRPr lang="fr-FR" sz="600" dirty="0" smtClean="0"/>
           </a:p>
           <a:p>
             <a:pPr marL="0" indent="0">
               <a:buNone/>
             </a:pPr>
-            <a:r>
-              <a:rPr lang="fr-FR" dirty="0" smtClean="0"/>
-              <a:t>[</a:t>
-            </a:r>
-            <a:r>
-              <a:rPr lang="fr-FR" dirty="0"/>
-              <a:t>Notre quad avec </a:t>
-            </a:r>
-            <a:r>
-              <a:rPr lang="fr-FR" dirty="0" err="1"/>
-              <a:t>weypoint</a:t>
-            </a:r>
-            <a:r>
-              <a:rPr lang="fr-FR" dirty="0"/>
-              <a:t> plus point d’interro]</a:t>
-            </a:r>
-          </a:p>
-          <a:p>
+            <a:endParaRPr lang="fr-FR" sz="600" dirty="0"/>
+          </a:p>
+          <a:p>
+            <a:pPr marL="0" indent="0">
+              <a:buNone/>
+            </a:pPr>
+            <a:endParaRPr lang="fr-FR" sz="600" dirty="0" smtClean="0"/>
+          </a:p>
+          <a:p>
+            <a:pPr marL="0" indent="0">
+              <a:buNone/>
+            </a:pPr>
+            <a:endParaRPr lang="fr-FR" sz="600" dirty="0"/>
+          </a:p>
+          <a:p>
+            <a:pPr marL="0" indent="0">
+              <a:buNone/>
+            </a:pPr>
+            <a:endParaRPr lang="fr-FR" sz="600" dirty="0" smtClean="0"/>
+          </a:p>
+          <a:p>
+            <a:pPr marL="0" indent="0">
+              <a:buNone/>
+            </a:pPr>
+            <a:endParaRPr lang="fr-FR" sz="600" dirty="0"/>
+          </a:p>
+          <a:p>
+            <a:pPr marL="0" indent="0">
+              <a:buNone/>
+            </a:pPr>
+            <a:endParaRPr lang="fr-FR" sz="600" dirty="0" smtClean="0"/>
+          </a:p>
+          <a:p>
+            <a:pPr marL="0" indent="0">
+              <a:buNone/>
+            </a:pPr>
+            <a:endParaRPr lang="fr-FR" sz="600" dirty="0"/>
+          </a:p>
+          <a:p>
+            <a:pPr marL="0" indent="0">
+              <a:buNone/>
+            </a:pPr>
+            <a:endParaRPr lang="fr-FR" sz="600" dirty="0" smtClean="0"/>
+          </a:p>
+          <a:p>
+            <a:pPr marL="0" indent="0">
+              <a:buNone/>
+            </a:pPr>
+            <a:endParaRPr lang="fr-FR" sz="600" dirty="0"/>
+          </a:p>
+          <a:p>
+            <a:pPr marL="0" indent="0">
+              <a:buNone/>
+            </a:pPr>
+            <a:endParaRPr lang="fr-FR" sz="600" dirty="0" smtClean="0"/>
+          </a:p>
+          <a:p>
+            <a:pPr marL="0" indent="0">
+              <a:buNone/>
+            </a:pPr>
+            <a:endParaRPr lang="fr-FR" sz="600" dirty="0"/>
+          </a:p>
+          <a:p>
+            <a:pPr marL="0" indent="0">
+              <a:buNone/>
+            </a:pPr>
+            <a:endParaRPr lang="fr-FR" sz="600" dirty="0" smtClean="0"/>
+          </a:p>
+          <a:p>
+            <a:pPr marL="0" indent="0">
+              <a:buNone/>
+            </a:pPr>
+            <a:endParaRPr lang="fr-FR" sz="600" dirty="0"/>
+          </a:p>
+          <a:p>
+            <a:r>
+              <a:rPr lang="fr-FR" dirty="0" smtClean="0"/>
+              <a:t>Control</a:t>
+            </a:r>
+          </a:p>
+          <a:p>
+            <a:pPr marL="0" indent="0">
+              <a:buNone/>
+            </a:pPr>
             <a:endParaRPr lang="fr-FR" dirty="0"/>
           </a:p>
-          <a:p>
-            <a:r>
-              <a:rPr lang="fr-FR" dirty="0" smtClean="0"/>
-              <a:t>Control</a:t>
-            </a:r>
-          </a:p>
-          <a:p>
-            <a:pPr marL="0" indent="0">
-              <a:buNone/>
-            </a:pPr>
-            <a:r>
-              <a:rPr lang="fr-FR" dirty="0" smtClean="0"/>
-              <a:t>[goal : correct </a:t>
-            </a:r>
-            <a:r>
-              <a:rPr lang="fr-FR" dirty="0" err="1" smtClean="0"/>
-              <a:t>static</a:t>
-            </a:r>
-            <a:r>
-              <a:rPr lang="fr-FR" dirty="0" smtClean="0"/>
-              <a:t> </a:t>
-            </a:r>
-            <a:r>
-              <a:rPr lang="fr-FR" dirty="0" err="1" smtClean="0"/>
-              <a:t>error</a:t>
-            </a:r>
-            <a:r>
-              <a:rPr lang="fr-FR" dirty="0" smtClean="0"/>
-              <a:t> and the normal </a:t>
-            </a:r>
-            <a:r>
-              <a:rPr lang="fr-FR" dirty="0" err="1" smtClean="0"/>
-              <a:t>behavor</a:t>
-            </a:r>
-            <a:r>
-              <a:rPr lang="fr-FR" dirty="0" smtClean="0"/>
-              <a:t>]</a:t>
-            </a:r>
-            <a:endParaRPr lang="fr-FR" dirty="0"/>
-          </a:p>
-        </p:txBody>
-      </p:sp>
+        </p:txBody>
+      </p:sp>
+      <p:grpSp>
+        <p:nvGrpSpPr>
+          <p:cNvPr id="8" name="Grouper 7"/>
+          <p:cNvGrpSpPr/>
+          <p:nvPr/>
+        </p:nvGrpSpPr>
+        <p:grpSpPr>
+          <a:xfrm>
+            <a:off x="3277754" y="1600200"/>
+            <a:ext cx="4652818" cy="1915866"/>
+            <a:chOff x="1824182" y="1997364"/>
+            <a:chExt cx="5691909" cy="2343727"/>
+          </a:xfrm>
+        </p:grpSpPr>
+        <p:sp>
+          <p:nvSpPr>
+            <p:cNvPr id="6" name="Rectangle à coins arrondis 5"/>
+            <p:cNvSpPr/>
+            <p:nvPr/>
+          </p:nvSpPr>
+          <p:spPr>
+            <a:xfrm>
+              <a:off x="1824182" y="1997364"/>
+              <a:ext cx="5691909" cy="2343727"/>
+            </a:xfrm>
+            <a:prstGeom prst="roundRect">
+              <a:avLst/>
+            </a:prstGeom>
+          </p:spPr>
+          <p:style>
+            <a:lnRef idx="2">
+              <a:schemeClr val="accent1"/>
+            </a:lnRef>
+            <a:fillRef idx="1">
+              <a:schemeClr val="lt1"/>
+            </a:fillRef>
+            <a:effectRef idx="0">
+              <a:schemeClr val="accent1"/>
+            </a:effectRef>
+            <a:fontRef idx="minor">
+              <a:schemeClr val="dk1"/>
+            </a:fontRef>
+          </p:style>
+          <p:txBody>
+            <a:bodyPr rtlCol="0" anchor="ctr"/>
+            <a:lstStyle/>
+            <a:p>
+              <a:pPr algn="ctr"/>
+              <a:endParaRPr lang="fr-FR"/>
+            </a:p>
+          </p:txBody>
+        </p:sp>
+        <p:pic>
+          <p:nvPicPr>
+            <p:cNvPr id="4" name="Image 3" descr="prediction.png"/>
+            <p:cNvPicPr>
+              <a:picLocks noChangeAspect="1"/>
+            </p:cNvPicPr>
+            <p:nvPr/>
+          </p:nvPicPr>
+          <p:blipFill>
+            <a:blip r:embed="rId2">
+              <a:extLst>
+                <a:ext uri="{28A0092B-C50C-407E-A947-70E740481C1C}">
+                  <a14:useLocalDpi xmlns:a14="http://schemas.microsoft.com/office/drawing/2010/main" val="0"/>
+                </a:ext>
+              </a:extLst>
+            </a:blip>
+            <a:stretch>
+              <a:fillRect/>
+            </a:stretch>
+          </p:blipFill>
+          <p:spPr>
+            <a:xfrm>
+              <a:off x="1997363" y="2221345"/>
+              <a:ext cx="5334000" cy="1917700"/>
+            </a:xfrm>
+            <a:prstGeom prst="rect">
+              <a:avLst/>
+            </a:prstGeom>
+          </p:spPr>
+        </p:pic>
+      </p:grpSp>
+      <p:grpSp>
+        <p:nvGrpSpPr>
+          <p:cNvPr id="9" name="Grouper 8"/>
+          <p:cNvGrpSpPr/>
+          <p:nvPr/>
+        </p:nvGrpSpPr>
+        <p:grpSpPr>
+          <a:xfrm>
+            <a:off x="3277754" y="3914292"/>
+            <a:ext cx="2656610" cy="1915866"/>
+            <a:chOff x="2994891" y="4401128"/>
+            <a:chExt cx="3112654" cy="2376054"/>
+          </a:xfrm>
+        </p:grpSpPr>
+        <p:sp>
+          <p:nvSpPr>
+            <p:cNvPr id="7" name="Rectangle à coins arrondis 6"/>
+            <p:cNvSpPr/>
+            <p:nvPr/>
+          </p:nvSpPr>
+          <p:spPr>
+            <a:xfrm>
+              <a:off x="2994891" y="4401128"/>
+              <a:ext cx="3112654" cy="2376054"/>
+            </a:xfrm>
+            <a:prstGeom prst="roundRect">
+              <a:avLst/>
+            </a:prstGeom>
+          </p:spPr>
+          <p:style>
+            <a:lnRef idx="2">
+              <a:schemeClr val="accent1"/>
+            </a:lnRef>
+            <a:fillRef idx="1">
+              <a:schemeClr val="lt1"/>
+            </a:fillRef>
+            <a:effectRef idx="0">
+              <a:schemeClr val="accent1"/>
+            </a:effectRef>
+            <a:fontRef idx="minor">
+              <a:schemeClr val="dk1"/>
+            </a:fontRef>
+          </p:style>
+          <p:txBody>
+            <a:bodyPr rtlCol="0" anchor="ctr"/>
+            <a:lstStyle/>
+            <a:p>
+              <a:pPr algn="ctr"/>
+              <a:endParaRPr lang="fr-FR"/>
+            </a:p>
+          </p:txBody>
+        </p:sp>
+        <p:pic>
+          <p:nvPicPr>
+            <p:cNvPr id="5" name="Image 4" descr="Control.png"/>
+            <p:cNvPicPr>
+              <a:picLocks noChangeAspect="1"/>
+            </p:cNvPicPr>
+            <p:nvPr/>
+          </p:nvPicPr>
+          <p:blipFill>
+            <a:blip r:embed="rId3">
+              <a:extLst>
+                <a:ext uri="{28A0092B-C50C-407E-A947-70E740481C1C}">
+                  <a14:useLocalDpi xmlns:a14="http://schemas.microsoft.com/office/drawing/2010/main" val="0"/>
+                </a:ext>
+              </a:extLst>
+            </a:blip>
+            <a:stretch>
+              <a:fillRect/>
+            </a:stretch>
+          </p:blipFill>
+          <p:spPr>
+            <a:xfrm>
+              <a:off x="3187700" y="4607791"/>
+              <a:ext cx="2768600" cy="1993900"/>
+            </a:xfrm>
+            <a:prstGeom prst="rect">
+              <a:avLst/>
+            </a:prstGeom>
+          </p:spPr>
+        </p:pic>
+      </p:grpSp>
     </p:spTree>
     <p:extLst>
       <p:ext uri="{BB962C8B-B14F-4D97-AF65-F5344CB8AC3E}">
@@ -3672,130 +3848,104 @@
         </p:nvSpPr>
         <p:spPr/>
         <p:txBody>
-          <a:bodyPr/>
-          <a:lstStyle/>
-          <a:p>
-            <a:r>
-              <a:rPr lang="fr-FR" dirty="0" err="1" smtClean="0"/>
-              <a:t>Prediction</a:t>
-            </a:r>
-            <a:endParaRPr lang="fr-FR" dirty="0"/>
-          </a:p>
-        </p:txBody>
-      </p:sp>
-      <p:sp>
-        <p:nvSpPr>
-          <p:cNvPr id="3" name="Espace réservé du contenu 2"/>
-          <p:cNvSpPr>
-            <a:spLocks noGrp="1"/>
-          </p:cNvSpPr>
-          <p:nvPr>
-            <p:ph idx="1"/>
-          </p:nvPr>
-        </p:nvSpPr>
-        <p:spPr/>
-        <p:txBody>
           <a:bodyPr>
             <a:normAutofit/>
           </a:bodyPr>
           <a:lstStyle/>
           <a:p>
             <a:r>
-              <a:rPr lang="fr-FR" dirty="0" err="1" smtClean="0"/>
+              <a:rPr lang="fr-FR" sz="5000" dirty="0" err="1" smtClean="0"/>
               <a:t>Prediction</a:t>
             </a:r>
+            <a:endParaRPr lang="fr-FR" sz="5000" dirty="0"/>
+          </a:p>
+        </p:txBody>
+      </p:sp>
+      <p:sp>
+        <p:nvSpPr>
+          <p:cNvPr id="3" name="Espace réservé du contenu 2"/>
+          <p:cNvSpPr>
+            <a:spLocks noGrp="1"/>
+          </p:cNvSpPr>
+          <p:nvPr>
+            <p:ph idx="1"/>
+          </p:nvPr>
+        </p:nvSpPr>
+        <p:spPr>
+          <a:xfrm>
+            <a:off x="457200" y="1600200"/>
+            <a:ext cx="5280891" cy="4525963"/>
+          </a:xfrm>
+        </p:spPr>
+        <p:txBody>
+          <a:bodyPr>
+            <a:normAutofit/>
+          </a:bodyPr>
+          <a:lstStyle/>
+          <a:p>
+            <a:r>
+              <a:rPr lang="fr-FR" dirty="0"/>
+              <a:t>Use </a:t>
+            </a:r>
+            <a:r>
+              <a:rPr lang="fr-FR" dirty="0" err="1"/>
+              <a:t>different</a:t>
+            </a:r>
+            <a:r>
+              <a:rPr lang="fr-FR" dirty="0"/>
+              <a:t> motion </a:t>
+            </a:r>
+            <a:r>
+              <a:rPr lang="fr-FR" dirty="0" err="1"/>
+              <a:t>models</a:t>
+            </a:r>
+            <a:endParaRPr lang="fr-FR" dirty="0"/>
+          </a:p>
+          <a:p>
+            <a:pPr lvl="1"/>
+            <a:r>
+              <a:rPr lang="fr-FR" dirty="0" smtClean="0"/>
+              <a:t>Constant </a:t>
+            </a:r>
+            <a:r>
+              <a:rPr lang="fr-FR" dirty="0" err="1" smtClean="0"/>
+              <a:t>velocity</a:t>
+            </a:r>
+            <a:r>
+              <a:rPr lang="fr-FR" dirty="0" smtClean="0"/>
+              <a:t> </a:t>
+            </a:r>
+            <a:r>
+              <a:rPr lang="fr-FR" dirty="0"/>
+              <a:t>motion model</a:t>
+            </a:r>
+          </a:p>
+          <a:p>
+            <a:pPr lvl="1"/>
+            <a:r>
+              <a:rPr lang="fr-FR" dirty="0"/>
+              <a:t>Constant </a:t>
+            </a:r>
+            <a:r>
+              <a:rPr lang="fr-FR" dirty="0" err="1" smtClean="0"/>
+              <a:t>acceleration</a:t>
+            </a:r>
+            <a:r>
+              <a:rPr lang="fr-FR" dirty="0" smtClean="0"/>
+              <a:t> </a:t>
+            </a:r>
+            <a:r>
+              <a:rPr lang="fr-FR" dirty="0"/>
+              <a:t>motion </a:t>
+            </a:r>
+            <a:r>
+              <a:rPr lang="fr-FR" dirty="0" smtClean="0"/>
+              <a:t>model</a:t>
+            </a:r>
             <a:endParaRPr lang="fr-FR" dirty="0" smtClean="0"/>
           </a:p>
           <a:p>
             <a:r>
-              <a:rPr lang="fr-FR" dirty="0" smtClean="0"/>
-              <a:t>Use </a:t>
-            </a:r>
-            <a:r>
-              <a:rPr lang="fr-FR" dirty="0" err="1" smtClean="0"/>
-              <a:t>different</a:t>
-            </a:r>
-            <a:r>
-              <a:rPr lang="fr-FR" dirty="0" smtClean="0"/>
-              <a:t> motion </a:t>
-            </a:r>
-            <a:r>
-              <a:rPr lang="fr-FR" dirty="0" err="1" smtClean="0"/>
-              <a:t>models</a:t>
-            </a:r>
-            <a:endParaRPr lang="fr-FR" dirty="0" smtClean="0"/>
-          </a:p>
-          <a:p>
-            <a:pPr lvl="1"/>
-            <a:r>
-              <a:rPr lang="fr-FR" dirty="0" err="1" smtClean="0"/>
-              <a:t>cst</a:t>
-            </a:r>
-            <a:r>
-              <a:rPr lang="fr-FR" dirty="0" smtClean="0"/>
-              <a:t> </a:t>
-            </a:r>
-            <a:r>
-              <a:rPr lang="fr-FR" dirty="0" err="1" smtClean="0"/>
-              <a:t>velocity</a:t>
-            </a:r>
-            <a:r>
-              <a:rPr lang="fr-FR" dirty="0" smtClean="0"/>
-              <a:t> motion model</a:t>
-            </a:r>
-          </a:p>
-          <a:p>
-            <a:pPr lvl="2"/>
-            <a:r>
-              <a:rPr lang="fr-FR" dirty="0" smtClean="0"/>
-              <a:t>[</a:t>
-            </a:r>
-            <a:r>
-              <a:rPr lang="fr-FR" dirty="0" err="1" smtClean="0"/>
-              <a:t>img</a:t>
-            </a:r>
-            <a:r>
-              <a:rPr lang="fr-FR" dirty="0" smtClean="0"/>
-              <a:t>]</a:t>
-            </a:r>
-          </a:p>
-          <a:p>
-            <a:pPr lvl="1"/>
-            <a:r>
-              <a:rPr lang="fr-FR" dirty="0" err="1" smtClean="0"/>
-              <a:t>cst</a:t>
-            </a:r>
-            <a:r>
-              <a:rPr lang="fr-FR" dirty="0" smtClean="0"/>
-              <a:t> </a:t>
-            </a:r>
-            <a:r>
-              <a:rPr lang="fr-FR" dirty="0" err="1" smtClean="0"/>
-              <a:t>acceleration</a:t>
-            </a:r>
-            <a:r>
-              <a:rPr lang="fr-FR" dirty="0" smtClean="0"/>
-              <a:t> motion model</a:t>
-            </a:r>
-            <a:endParaRPr lang="fr-FR" dirty="0"/>
-          </a:p>
-          <a:p>
-            <a:pPr lvl="2"/>
-            <a:r>
-              <a:rPr lang="fr-FR" dirty="0"/>
-              <a:t>[</a:t>
-            </a:r>
-            <a:r>
-              <a:rPr lang="fr-FR" dirty="0" err="1"/>
-              <a:t>img</a:t>
-            </a:r>
-            <a:r>
-              <a:rPr lang="fr-FR" dirty="0" smtClean="0"/>
-              <a:t>]</a:t>
-            </a:r>
-          </a:p>
-          <a:p>
-            <a:r>
               <a:rPr lang="fr-FR" dirty="0" err="1" smtClean="0"/>
               <a:t>Possibility</a:t>
             </a:r>
@@ -3809,15 +3959,7 @@
             </a:r>
             <a:r>
               <a:rPr lang="fr-FR" dirty="0" smtClean="0"/>
-              <a:t> </a:t>
-            </a:r>
-            <a:r>
-              <a:rPr lang="fr-FR" dirty="0" err="1" smtClean="0"/>
-              <a:t>Bezier</a:t>
-            </a:r>
-            <a:r>
-              <a:rPr lang="fr-FR" dirty="0" smtClean="0"/>
-              <a:t> </a:t>
+              <a:t> Bézier </a:t>
             </a:r>
             <a:r>
               <a:rPr lang="fr-FR" dirty="0" err="1" smtClean="0"/>
@@ -3865,6 +4007,142 @@
           </a:p>
         </p:txBody>
       </p:sp>
+      <p:sp>
+        <p:nvSpPr>
+          <p:cNvPr id="5" name="Rectangle à coins arrondis 4"/>
+          <p:cNvSpPr/>
+          <p:nvPr/>
+        </p:nvSpPr>
+        <p:spPr>
+          <a:xfrm>
+            <a:off x="5950526" y="1600200"/>
+            <a:ext cx="2782455" cy="1915866"/>
+          </a:xfrm>
+          <a:prstGeom prst="roundRect">
+            <a:avLst/>
+          </a:prstGeom>
+        </p:spPr>
+        <p:style>
+          <a:lnRef idx="2">
+            <a:schemeClr val="accent1"/>
+          </a:lnRef>
+          <a:fillRef idx="1">
+            <a:schemeClr val="lt1"/>
+          </a:fillRef>
+          <a:effectRef idx="0">
+            <a:schemeClr val="accent1"/>
+          </a:effectRef>
+          <a:fontRef idx="minor">
+            <a:schemeClr val="dk1"/>
+          </a:fontRef>
+        </p:style>
+        <p:txBody>
+          <a:bodyPr rtlCol="0" anchor="ctr"/>
+          <a:lstStyle/>
+          <a:p>
+            <a:pPr algn="ctr"/>
+            <a:endParaRPr lang="fr-FR"/>
+          </a:p>
+        </p:txBody>
+      </p:sp>
+      <p:pic>
+        <p:nvPicPr>
+          <p:cNvPr id="6" name="Image 5"/>
+          <p:cNvPicPr>
+            <a:picLocks noChangeAspect="1"/>
+          </p:cNvPicPr>
+          <p:nvPr/>
+        </p:nvPicPr>
+        <p:blipFill>
+          <a:blip r:embed="rId2">
+            <a:extLst>
+              <a:ext uri="{28A0092B-C50C-407E-A947-70E740481C1C}">
+                <a14:useLocalDpi xmlns:a14="http://schemas.microsoft.com/office/drawing/2010/main" val="0"/>
+              </a:ext>
+            </a:extLst>
+          </a:blip>
+          <a:stretch>
+            <a:fillRect/>
+          </a:stretch>
+        </p:blipFill>
+        <p:spPr>
+          <a:xfrm>
+            <a:off x="6279605" y="1783292"/>
+            <a:ext cx="2204913" cy="1567613"/>
+          </a:xfrm>
+          <a:prstGeom prst="rect">
+            <a:avLst/>
+          </a:prstGeom>
+        </p:spPr>
+      </p:pic>
+      <p:sp>
+        <p:nvSpPr>
+          <p:cNvPr id="7" name="Rectangle à coins arrondis 6"/>
+          <p:cNvSpPr/>
+          <p:nvPr/>
+        </p:nvSpPr>
+        <p:spPr>
+          <a:xfrm>
+            <a:off x="5950526" y="3711659"/>
+            <a:ext cx="2782455" cy="1915866"/>
+          </a:xfrm>
+          <a:prstGeom prst="roundRect">
+            <a:avLst/>
+          </a:prstGeom>
+        </p:spPr>
+        <p:style>
+          <a:lnRef idx="2">
+            <a:schemeClr val="accent1"/>
+          </a:lnRef>
+          <a:fillRef idx="1">
+            <a:schemeClr val="lt1"/>
+          </a:fillRef>
+          <a:effectRef idx="0">
+            <a:schemeClr val="accent1"/>
+          </a:effectRef>
+          <a:fontRef idx="minor">
+            <a:schemeClr val="dk1"/>
+          </a:fontRef>
+        </p:style>
+        <p:txBody>
+          <a:bodyPr rtlCol="0" anchor="ctr"/>
+          <a:lstStyle/>
+          <a:p>
+            <a:pPr algn="ctr"/>
+            <a:endParaRPr lang="fr-FR"/>
+          </a:p>
+        </p:txBody>
+      </p:sp>
+      <p:pic>
+        <p:nvPicPr>
+          <p:cNvPr id="8" name="Image 7"/>
+          <p:cNvPicPr>
+            <a:picLocks noChangeAspect="1"/>
+          </p:cNvPicPr>
+          <p:nvPr/>
+        </p:nvPicPr>
+        <p:blipFill>
+          <a:blip r:embed="rId3">
+            <a:extLst>
+              <a:ext uri="{28A0092B-C50C-407E-A947-70E740481C1C}">
+                <a14:useLocalDpi xmlns:a14="http://schemas.microsoft.com/office/drawing/2010/main" val="0"/>
+              </a:ext>
+            </a:extLst>
+          </a:blip>
+          <a:stretch>
+            <a:fillRect/>
+          </a:stretch>
+        </p:blipFill>
+        <p:spPr>
+          <a:xfrm>
+            <a:off x="6676636" y="3894751"/>
+            <a:ext cx="1410851" cy="1567613"/>
+          </a:xfrm>
+          <a:prstGeom prst="rect">
+            <a:avLst/>
+          </a:prstGeom>
+        </p:spPr>
+      </p:pic>
     </p:spTree>
     <p:extLst>
       <p:ext uri="{BB962C8B-B14F-4D97-AF65-F5344CB8AC3E}">
@@ -4206,6 +4484,13 @@
   <p:clrMapOvr>
     <a:masterClrMapping/>
   </p:clrMapOvr>
+  <p:timing>
+    <p:tnLst>
+      <p:par>
+        <p:cTn xmlns:p14="http://schemas.microsoft.com/office/powerpoint/2010/main" id="1" dur="indefinite" restart="never" nodeType="tmRoot"/>
+      </p:par>
+    </p:tnLst>
+  </p:timing>
 </p:sld>
 </file>
 
@@ -4242,8 +4527,8 @@
           <a:lstStyle/>
           <a:p>
             <a:r>
-              <a:rPr lang="fr-FR" dirty="0" err="1" smtClean="0"/>
-              <a:t>Bezier</a:t>
+              <a:rPr lang="fr-FR" dirty="0" smtClean="0"/>
+              <a:t>Bézier</a:t>
             </a:r>
             <a:endParaRPr lang="fr-FR" dirty="0"/>
           </a:p>
@@ -4259,19 +4544,196 @@
             <p:ph idx="1"/>
           </p:nvPr>
         </p:nvSpPr>
-        <p:spPr/>
-        <p:txBody>
-          <a:bodyPr/>
-          <a:lstStyle/>
-          <a:p>
-            <a:r>
-              <a:rPr lang="fr-FR" dirty="0" smtClean="0"/>
-              <a:t>Idée : interpoler pour avoir une meilleur idée de la trajectoire réel et obtenir une meilleure estimation de l’accélération du Quad lors de la dernière mesure.</a:t>
-            </a:r>
+        <p:spPr>
+          <a:xfrm>
+            <a:off x="457200" y="1600201"/>
+            <a:ext cx="8229600" cy="1592880"/>
+          </a:xfrm>
+        </p:spPr>
+        <p:txBody>
+          <a:bodyPr>
+            <a:normAutofit fontScale="92500" lnSpcReduction="20000"/>
+          </a:bodyPr>
+          <a:lstStyle/>
+          <a:p>
+            <a:r>
+              <a:rPr lang="fr-FR" dirty="0" err="1" smtClean="0"/>
+              <a:t>Idea</a:t>
+            </a:r>
+            <a:r>
+              <a:rPr lang="fr-FR" dirty="0" smtClean="0"/>
+              <a:t> : use Bézier interpolation </a:t>
+            </a:r>
+            <a:r>
+              <a:rPr lang="fr-FR" dirty="0" smtClean="0"/>
+              <a:t>in </a:t>
+            </a:r>
+            <a:r>
+              <a:rPr lang="fr-FR" dirty="0" err="1" smtClean="0"/>
+              <a:t>order</a:t>
+            </a:r>
+            <a:r>
+              <a:rPr lang="fr-FR" dirty="0" smtClean="0"/>
+              <a:t> to </a:t>
+            </a:r>
+            <a:r>
+              <a:rPr lang="fr-FR" dirty="0" err="1" smtClean="0"/>
+              <a:t>obtain</a:t>
+            </a:r>
+            <a:r>
+              <a:rPr lang="fr-FR" dirty="0" smtClean="0"/>
+              <a:t> an estimation of the </a:t>
+            </a:r>
+            <a:r>
+              <a:rPr lang="fr-FR" dirty="0" err="1" smtClean="0"/>
+              <a:t>trajectory</a:t>
+            </a:r>
+            <a:r>
+              <a:rPr lang="fr-FR" dirty="0" smtClean="0"/>
+              <a:t> </a:t>
+            </a:r>
+            <a:r>
+              <a:rPr lang="fr-FR" dirty="0" err="1" smtClean="0"/>
+              <a:t>before</a:t>
+            </a:r>
+            <a:r>
+              <a:rPr lang="fr-FR" dirty="0" smtClean="0"/>
+              <a:t> the last </a:t>
+            </a:r>
+            <a:r>
+              <a:rPr lang="fr-FR" dirty="0" err="1" smtClean="0"/>
+              <a:t>received</a:t>
+            </a:r>
+            <a:r>
+              <a:rPr lang="fr-FR" dirty="0" smtClean="0"/>
+              <a:t> </a:t>
+            </a:r>
+            <a:r>
+              <a:rPr lang="fr-FR" dirty="0" err="1" smtClean="0"/>
+              <a:t>waypoint</a:t>
+            </a:r>
+            <a:r>
+              <a:rPr lang="fr-FR" dirty="0" smtClean="0"/>
+              <a:t>. This </a:t>
+            </a:r>
+            <a:r>
+              <a:rPr lang="fr-FR" dirty="0" err="1" smtClean="0"/>
+              <a:t>allows</a:t>
+            </a:r>
+            <a:r>
+              <a:rPr lang="fr-FR" dirty="0" smtClean="0"/>
+              <a:t> us to </a:t>
+            </a:r>
+            <a:r>
+              <a:rPr lang="fr-FR" dirty="0" err="1" smtClean="0"/>
+              <a:t>get</a:t>
+            </a:r>
+            <a:r>
+              <a:rPr lang="fr-FR" dirty="0" smtClean="0"/>
+              <a:t> a </a:t>
+            </a:r>
+            <a:r>
+              <a:rPr lang="fr-FR" dirty="0" err="1" smtClean="0"/>
+              <a:t>better</a:t>
+            </a:r>
+            <a:r>
+              <a:rPr lang="fr-FR" dirty="0" smtClean="0"/>
+              <a:t> </a:t>
+            </a:r>
+            <a:r>
+              <a:rPr lang="fr-FR" dirty="0" err="1" smtClean="0"/>
+              <a:t>estimate</a:t>
+            </a:r>
+            <a:r>
+              <a:rPr lang="fr-FR" dirty="0" smtClean="0"/>
+              <a:t> of the </a:t>
+            </a:r>
+            <a:r>
+              <a:rPr lang="fr-FR" dirty="0" err="1" smtClean="0"/>
+              <a:t>acceleration</a:t>
+            </a:r>
+            <a:r>
+              <a:rPr lang="fr-FR" dirty="0"/>
+              <a:t>.</a:t>
+            </a:r>
+            <a:endParaRPr lang="fr-FR" dirty="0" smtClean="0"/>
+          </a:p>
+          <a:p>
+            <a:pPr marL="0" indent="0">
+              <a:buNone/>
+            </a:pPr>
             <a:endParaRPr lang="fr-FR" dirty="0"/>
           </a:p>
         </p:txBody>
       </p:sp>
+      <p:sp>
+        <p:nvSpPr>
+          <p:cNvPr id="4" name="Rectangle à coins arrondis 3"/>
+          <p:cNvSpPr/>
+          <p:nvPr/>
+        </p:nvSpPr>
+        <p:spPr>
+          <a:xfrm>
+            <a:off x="2243343" y="3428521"/>
+            <a:ext cx="4427341" cy="2840181"/>
+          </a:xfrm>
+          <a:prstGeom prst="roundRect">
+            <a:avLst/>
+          </a:prstGeom>
+        </p:spPr>
+        <p:style>
+          <a:lnRef idx="2">
+            <a:schemeClr val="accent1"/>
+          </a:lnRef>
+          <a:fillRef idx="1">
+            <a:schemeClr val="lt1"/>
+          </a:fillRef>
+          <a:effectRef idx="0">
+            <a:schemeClr val="accent1"/>
+          </a:effectRef>
+          <a:fontRef idx="minor">
+            <a:schemeClr val="dk1"/>
+          </a:fontRef>
+        </p:style>
+        <p:txBody>
+          <a:bodyPr rtlCol="0" anchor="ctr"/>
+          <a:lstStyle/>
+          <a:p>
+            <a:pPr algn="ctr"/>
+            <a:endParaRPr lang="fr-FR"/>
+          </a:p>
+        </p:txBody>
+      </p:sp>
+      <p:pic>
+        <p:nvPicPr>
+          <p:cNvPr id="5" name="Image 4"/>
+          <p:cNvPicPr>
+            <a:picLocks noChangeAspect="1"/>
+          </p:cNvPicPr>
+          <p:nvPr/>
+        </p:nvPicPr>
+        <p:blipFill>
+          <a:blip r:embed="rId2">
+            <a:extLst>
+              <a:ext uri="{28A0092B-C50C-407E-A947-70E740481C1C}">
+                <a14:useLocalDpi xmlns:a14="http://schemas.microsoft.com/office/drawing/2010/main" val="0"/>
+              </a:ext>
+            </a:extLst>
+          </a:blip>
+          <a:stretch>
+            <a:fillRect/>
+          </a:stretch>
+        </p:blipFill>
+        <p:spPr>
+          <a:xfrm>
+            <a:off x="2594996" y="3754614"/>
+            <a:ext cx="3795122" cy="2294725"/>
+          </a:xfrm>
+          <a:prstGeom prst="rect">
+            <a:avLst/>
+          </a:prstGeom>
+        </p:spPr>
+      </p:pic>
     </p:spTree>
     <p:extLst>
       <p:ext uri="{BB962C8B-B14F-4D97-AF65-F5344CB8AC3E}">
@@ -4282,6 +4744,13 @@
   <p:clrMapOvr>
     <a:masterClrMapping/>
   </p:clrMapOvr>
+  <p:timing>
+    <p:tnLst>
+      <p:par>
+        <p:cTn xmlns:p14="http://schemas.microsoft.com/office/powerpoint/2010/main" id="1" dur="indefinite" restart="never" nodeType="tmRoot"/>
+      </p:par>
+    </p:tnLst>
+  </p:timing>
 </p:sld>
 </file>
 
@@ -4364,6 +4833,13 @@
   <p:clrMapOvr>
     <a:masterClrMapping/>
   </p:clrMapOvr>
+  <p:timing>
+    <p:tnLst>
+      <p:par>
+        <p:cTn xmlns:p14="http://schemas.microsoft.com/office/powerpoint/2010/main" id="1" dur="indefinite" restart="never" nodeType="tmRoot"/>
+      </p:par>
+    </p:tnLst>
+  </p:timing>
 </p:sld>
 </file>
 
@@ -4438,6 +4914,13 @@
   <p:clrMapOvr>
     <a:masterClrMapping/>
   </p:clrMapOvr>
+  <p:timing>
+    <p:tnLst>
+      <p:par>
+        <p:cTn xmlns:p14="http://schemas.microsoft.com/office/powerpoint/2010/main" id="1" dur="indefinite" restart="never" nodeType="tmRoot"/>
+      </p:par>
+    </p:tnLst>
+  </p:timing>
 </p:sld>
 </file>
 
@@ -4720,6 +5203,13 @@
   <p:clrMapOvr>
     <a:masterClrMapping/>
   </p:clrMapOvr>
+  <p:timing>
+    <p:tnLst>
+      <p:par>
+        <p:cTn xmlns:p14="http://schemas.microsoft.com/office/powerpoint/2010/main" id="1" dur="indefinite" restart="never" nodeType="tmRoot"/>
+      </p:par>
+    </p:tnLst>
+  </p:timing>
 </p:sld>
 </file>
 

--- a/Presentation/Presentation.pptx
+++ b/Presentation/Presentation.pptx
@@ -4862,6 +4862,44 @@
       </p:grpSpPr>
       <p:sp>
         <p:nvSpPr>
+          <p:cNvPr id="7" name="Rectangle à coins arrondis 6"/>
+          <p:cNvSpPr/>
+          <p:nvPr/>
+        </p:nvSpPr>
+        <p:spPr>
+          <a:xfrm>
+            <a:off x="300182" y="2251364"/>
+            <a:ext cx="8497454" cy="2782454"/>
+          </a:xfrm>
+          <a:prstGeom prst="roundRect">
+            <a:avLst/>
+          </a:prstGeom>
+        </p:spPr>
+        <p:style>
+          <a:lnRef idx="2">
+            <a:schemeClr val="accent1"/>
+          </a:lnRef>
+          <a:fillRef idx="1">
+            <a:schemeClr val="lt1"/>
+          </a:fillRef>
+          <a:effectRef idx="0">
+            <a:schemeClr val="accent1"/>
+          </a:effectRef>
+          <a:fontRef idx="minor">
+            <a:schemeClr val="dk1"/>
+          </a:fontRef>
+        </p:style>
+        <p:txBody>
+          <a:bodyPr rtlCol="0" anchor="ctr"/>
+          <a:lstStyle/>
+          <a:p>
+            <a:pPr algn="ctr"/>
+            <a:endParaRPr lang="fr-FR"/>
+          </a:p>
+        </p:txBody>
+      </p:sp>
+      <p:sp>
+        <p:nvSpPr>
           <p:cNvPr id="2" name="Titre 1"/>
           <p:cNvSpPr>
             <a:spLocks noGrp="1"/>
@@ -4885,25 +4923,34 @@
           </a:p>
         </p:txBody>
       </p:sp>
-      <p:sp>
-        <p:nvSpPr>
-          <p:cNvPr id="3" name="Espace réservé du contenu 2"/>
-          <p:cNvSpPr>
-            <a:spLocks noGrp="1"/>
-          </p:cNvSpPr>
+      <p:pic>
+        <p:nvPicPr>
+          <p:cNvPr id="6" name="Espace réservé du contenu 5" descr="System.png"/>
+          <p:cNvPicPr>
+            <a:picLocks noGrp="1" noChangeAspect="1"/>
+          </p:cNvPicPr>
           <p:nvPr>
             <p:ph idx="1"/>
           </p:nvPr>
-        </p:nvSpPr>
-        <p:spPr/>
-        <p:txBody>
-          <a:bodyPr/>
-          <a:lstStyle/>
-          <a:p>
-            <a:endParaRPr lang="fr-FR"/>
-          </a:p>
-        </p:txBody>
-      </p:sp>
+        </p:nvPicPr>
+        <p:blipFill rotWithShape="1">
+          <a:blip r:embed="rId2">
+            <a:extLst>
+              <a:ext uri="{28A0092B-C50C-407E-A947-70E740481C1C}">
+                <a14:useLocalDpi xmlns:a14="http://schemas.microsoft.com/office/drawing/2010/main" val="0"/>
+              </a:ext>
+            </a:extLst>
+          </a:blip>
+          <a:srcRect l="-10383" t="-17784" r="-4040" b="-7844"/>
+          <a:stretch/>
+        </p:blipFill>
+        <p:spPr>
+          <a:xfrm>
+            <a:off x="-92364" y="2105872"/>
+            <a:ext cx="8779164" cy="2760904"/>
+          </a:xfrm>
+        </p:spPr>
+      </p:pic>
     </p:spTree>
     <p:extLst>
       <p:ext uri="{BB962C8B-B14F-4D97-AF65-F5344CB8AC3E}">

--- a/Presentation/Presentation.pptx
+++ b/Presentation/Presentation.pptx
@@ -3942,7 +3942,6 @@
               <a:rPr lang="fr-FR" dirty="0" smtClean="0"/>
               <a:t>model</a:t>
             </a:r>
-            <a:endParaRPr lang="fr-FR" dirty="0" smtClean="0"/>
           </a:p>
           <a:p>
             <a:r>
@@ -4562,11 +4561,7 @@
             </a:r>
             <a:r>
               <a:rPr lang="fr-FR" dirty="0" smtClean="0"/>
-              <a:t> : use Bézier interpolation </a:t>
-            </a:r>
-            <a:r>
-              <a:rPr lang="fr-FR" dirty="0" smtClean="0"/>
-              <a:t>in </a:t>
+              <a:t> : use Bézier interpolation in </a:t>
             </a:r>
             <a:r>
               <a:rPr lang="fr-FR" dirty="0" err="1" smtClean="0"/>
@@ -4796,33 +4791,72 @@
       </p:sp>
       <p:sp>
         <p:nvSpPr>
-          <p:cNvPr id="3" name="Espace réservé du contenu 2"/>
-          <p:cNvSpPr>
-            <a:spLocks noGrp="1"/>
-          </p:cNvSpPr>
-          <p:nvPr>
-            <p:ph idx="1"/>
-          </p:nvPr>
-        </p:nvSpPr>
-        <p:spPr/>
-        <p:txBody>
-          <a:bodyPr/>
-          <a:lstStyle/>
-          <a:p>
-            <a:r>
-              <a:rPr lang="fr-FR" dirty="0" smtClean="0"/>
-              <a:t>Jolie image</a:t>
-            </a:r>
-          </a:p>
-          <a:p>
-            <a:r>
-              <a:rPr lang="fr-FR" dirty="0" smtClean="0"/>
-              <a:t>Expliquer la cascade</a:t>
-            </a:r>
-            <a:endParaRPr lang="fr-FR" dirty="0"/>
-          </a:p>
-        </p:txBody>
-      </p:sp>
+          <p:cNvPr id="5" name="Rectangle à coins arrondis 4"/>
+          <p:cNvSpPr/>
+          <p:nvPr/>
+        </p:nvSpPr>
+        <p:spPr>
+          <a:xfrm>
+            <a:off x="457200" y="1315702"/>
+            <a:ext cx="8229600" cy="4988115"/>
+          </a:xfrm>
+          <a:prstGeom prst="roundRect">
+            <a:avLst/>
+          </a:prstGeom>
+        </p:spPr>
+        <p:style>
+          <a:lnRef idx="2">
+            <a:schemeClr val="accent1"/>
+          </a:lnRef>
+          <a:fillRef idx="1">
+            <a:schemeClr val="lt1"/>
+          </a:fillRef>
+          <a:effectRef idx="0">
+            <a:schemeClr val="accent1"/>
+          </a:effectRef>
+          <a:fontRef idx="minor">
+            <a:schemeClr val="dk1"/>
+          </a:fontRef>
+        </p:style>
+        <p:txBody>
+          <a:bodyPr rtlCol="0" anchor="ctr"/>
+          <a:lstStyle/>
+          <a:p>
+            <a:pPr algn="ctr"/>
+            <a:endParaRPr lang="fr-FR"/>
+          </a:p>
+        </p:txBody>
+      </p:sp>
+      <p:pic>
+        <p:nvPicPr>
+          <p:cNvPr id="7" name="Image 6" descr="PId.png"/>
+          <p:cNvPicPr>
+            <a:picLocks noChangeAspect="1"/>
+          </p:cNvPicPr>
+          <p:nvPr/>
+        </p:nvPicPr>
+        <p:blipFill>
+          <a:blip r:embed="rId2">
+            <a:extLst>
+              <a:ext uri="{28A0092B-C50C-407E-A947-70E740481C1C}">
+                <a14:useLocalDpi xmlns:a14="http://schemas.microsoft.com/office/drawing/2010/main" val="0"/>
+              </a:ext>
+            </a:extLst>
+          </a:blip>
+          <a:stretch>
+            <a:fillRect/>
+          </a:stretch>
+        </p:blipFill>
+        <p:spPr>
+          <a:xfrm>
+            <a:off x="806966" y="1651000"/>
+            <a:ext cx="7635732" cy="4193640"/>
+          </a:xfrm>
+          <a:prstGeom prst="rect">
+            <a:avLst/>
+          </a:prstGeom>
+        </p:spPr>
+      </p:pic>
     </p:spTree>
     <p:extLst>
       <p:ext uri="{BB962C8B-B14F-4D97-AF65-F5344CB8AC3E}">

--- a/Presentation/Presentation.pptx
+++ b/Presentation/Presentation.pptx
@@ -2628,10 +2628,10 @@
           <a:lstStyle/>
           <a:p>
             <a:r>
-              <a:rPr lang="fr-CH" smtClean="0"/>
+              <a:rPr lang="fr-CH" dirty="0" smtClean="0"/>
               <a:t>Cliquez et modifiez le titre</a:t>
             </a:r>
-            <a:endParaRPr lang="en-US"/>
+            <a:endParaRPr lang="en-US" dirty="0"/>
           </a:p>
         </p:txBody>
       </p:sp>
@@ -2662,38 +2662,38 @@
           <a:p>
             <a:pPr lvl="0"/>
             <a:r>
-              <a:rPr lang="fr-CH" smtClean="0"/>
+              <a:rPr lang="fr-CH" dirty="0" smtClean="0"/>
               <a:t>Cliquez pour modifier les styles du texte du masque</a:t>
             </a:r>
           </a:p>
           <a:p>
             <a:pPr lvl="1"/>
             <a:r>
-              <a:rPr lang="fr-CH" smtClean="0"/>
+              <a:rPr lang="fr-CH" dirty="0" smtClean="0"/>
               <a:t>Deuxième niveau</a:t>
             </a:r>
           </a:p>
           <a:p>
             <a:pPr lvl="2"/>
             <a:r>
-              <a:rPr lang="fr-CH" smtClean="0"/>
+              <a:rPr lang="fr-CH" dirty="0" smtClean="0"/>
               <a:t>Troisième niveau</a:t>
             </a:r>
           </a:p>
           <a:p>
             <a:pPr lvl="3"/>
             <a:r>
-              <a:rPr lang="fr-CH" smtClean="0"/>
+              <a:rPr lang="fr-CH" dirty="0" smtClean="0"/>
               <a:t>Quatrième niveau</a:t>
             </a:r>
           </a:p>
           <a:p>
             <a:pPr lvl="4"/>
             <a:r>
-              <a:rPr lang="fr-CH" smtClean="0"/>
+              <a:rPr lang="fr-CH" dirty="0" smtClean="0"/>
               <a:t>Cinquième niveau</a:t>
             </a:r>
-            <a:endParaRPr lang="en-US"/>
+            <a:endParaRPr lang="en-US" dirty="0"/>
           </a:p>
         </p:txBody>
       </p:sp>
@@ -2844,13 +2844,13 @@
           <a:spcPct val="0"/>
         </a:spcBef>
         <a:buNone/>
-        <a:defRPr sz="4400" kern="1200">
+        <a:defRPr sz="5000" kern="1200">
           <a:solidFill>
             <a:schemeClr val="tx1"/>
           </a:solidFill>
-          <a:latin typeface="+mj-lt"/>
+          <a:latin typeface="Roboto Light"/>
           <a:ea typeface="+mj-ea"/>
-          <a:cs typeface="+mj-cs"/>
+          <a:cs typeface="Roboto Light"/>
         </a:defRPr>
       </a:lvl1pPr>
     </p:titleStyle>
@@ -2865,9 +2865,9 @@
           <a:solidFill>
             <a:schemeClr val="tx1"/>
           </a:solidFill>
-          <a:latin typeface="+mn-lt"/>
+          <a:latin typeface="Roboto Light"/>
           <a:ea typeface="+mn-ea"/>
-          <a:cs typeface="+mn-cs"/>
+          <a:cs typeface="Roboto Light"/>
         </a:defRPr>
       </a:lvl1pPr>
       <a:lvl2pPr marL="742950" indent="-285750" algn="l" defTabSz="914400" rtl="0" eaLnBrk="1" latinLnBrk="0" hangingPunct="1">
@@ -2880,9 +2880,9 @@
           <a:solidFill>
             <a:schemeClr val="tx1"/>
           </a:solidFill>
-          <a:latin typeface="+mn-lt"/>
+          <a:latin typeface="Roboto Light"/>
           <a:ea typeface="+mn-ea"/>
-          <a:cs typeface="+mn-cs"/>
+          <a:cs typeface="Roboto Light"/>
         </a:defRPr>
       </a:lvl2pPr>
       <a:lvl3pPr marL="1143000" indent="-228600" algn="l" defTabSz="914400" rtl="0" eaLnBrk="1" latinLnBrk="0" hangingPunct="1">
@@ -2895,9 +2895,9 @@
           <a:solidFill>
             <a:schemeClr val="tx1"/>
           </a:solidFill>
-          <a:latin typeface="+mn-lt"/>
+          <a:latin typeface="Roboto Light"/>
           <a:ea typeface="+mn-ea"/>
-          <a:cs typeface="+mn-cs"/>
+          <a:cs typeface="Roboto Light"/>
         </a:defRPr>
       </a:lvl3pPr>
       <a:lvl4pPr marL="1600200" indent="-228600" algn="l" defTabSz="914400" rtl="0" eaLnBrk="1" latinLnBrk="0" hangingPunct="1">
@@ -2910,9 +2910,9 @@
           <a:solidFill>
             <a:schemeClr val="tx1"/>
           </a:solidFill>
-          <a:latin typeface="+mn-lt"/>
+          <a:latin typeface="Roboto Light"/>
           <a:ea typeface="+mn-ea"/>
-          <a:cs typeface="+mn-cs"/>
+          <a:cs typeface="Roboto Light"/>
         </a:defRPr>
       </a:lvl4pPr>
       <a:lvl5pPr marL="2057400" indent="-228600" algn="l" defTabSz="914400" rtl="0" eaLnBrk="1" latinLnBrk="0" hangingPunct="1">
@@ -2925,9 +2925,9 @@
           <a:solidFill>
             <a:schemeClr val="tx1"/>
           </a:solidFill>
-          <a:latin typeface="+mn-lt"/>
+          <a:latin typeface="Roboto Light"/>
           <a:ea typeface="+mn-ea"/>
-          <a:cs typeface="+mn-cs"/>
+          <a:cs typeface="Roboto Light"/>
         </a:defRPr>
       </a:lvl5pPr>
       <a:lvl6pPr marL="2514600" indent="-228600" algn="l" defTabSz="914400" rtl="0" eaLnBrk="1" latinLnBrk="0" hangingPunct="1">
@@ -3125,47 +3125,83 @@
           <a:lstStyle/>
           <a:p>
             <a:r>
-              <a:rPr lang="fr-FR" sz="2700" dirty="0" smtClean="0"/>
+              <a:rPr lang="fr-FR" sz="2700" dirty="0" smtClean="0">
+                <a:latin typeface="Roboto Light"/>
+                <a:cs typeface="Roboto Light"/>
+              </a:rPr>
               <a:t>Mobile Robots</a:t>
             </a:r>
             <a:br>
-              <a:rPr lang="fr-FR" sz="2700" dirty="0" smtClean="0"/>
+              <a:rPr lang="fr-FR" sz="2700" dirty="0" smtClean="0">
+                <a:latin typeface="Roboto Light"/>
+                <a:cs typeface="Roboto Light"/>
+              </a:rPr>
             </a:br>
             <a:r>
-              <a:rPr lang="fr-FR" dirty="0" smtClean="0"/>
-              <a:t>Mini-Project</a:t>
-            </a:r>
-            <a:r>
-              <a:rPr lang="fr-FR" dirty="0"/>
+              <a:rPr lang="fr-FR" dirty="0" smtClean="0">
+                <a:latin typeface="Roboto Light"/>
+                <a:cs typeface="Roboto Light"/>
+              </a:rPr>
+              <a:t>Mini-</a:t>
+            </a:r>
+            <a:r>
+              <a:rPr lang="fr-FR" dirty="0" smtClean="0">
+                <a:latin typeface="Roboto Light"/>
+                <a:cs typeface="Roboto Light"/>
+              </a:rPr>
+              <a:t>Project</a:t>
+            </a:r>
+            <a:r>
+              <a:rPr lang="fr-FR" dirty="0" smtClean="0">
+                <a:latin typeface="Roboto Light"/>
+                <a:cs typeface="Roboto Light"/>
+              </a:rPr>
+              <a:t/>
+            </a:r>
+            <a:br>
+              <a:rPr lang="fr-FR" dirty="0" smtClean="0">
+                <a:latin typeface="Roboto Light"/>
+                <a:cs typeface="Roboto Light"/>
+              </a:rPr>
+            </a:br>
+            <a:r>
+              <a:rPr lang="fr-FR" dirty="0" smtClean="0">
+                <a:latin typeface="Roboto Light"/>
+                <a:cs typeface="Roboto Light"/>
+              </a:rPr>
+              <a:t>GPS </a:t>
+            </a:r>
+            <a:r>
+              <a:rPr lang="fr-FR" dirty="0">
+                <a:latin typeface="Roboto Light"/>
+                <a:cs typeface="Roboto Light"/>
+              </a:rPr>
+              <a:t>Signal </a:t>
+            </a:r>
+            <a:r>
+              <a:rPr lang="fr-FR" dirty="0" err="1">
+                <a:latin typeface="Roboto Light"/>
+                <a:cs typeface="Roboto Light"/>
+              </a:rPr>
+              <a:t>Following</a:t>
+            </a:r>
+            <a:r>
+              <a:rPr lang="fr-FR" dirty="0">
+                <a:latin typeface="Roboto Light"/>
+                <a:cs typeface="Roboto Light"/>
+              </a:rPr>
               <a:t> </a:t>
             </a:r>
-            <a:r>
-              <a:rPr lang="fr-FR" dirty="0" smtClean="0"/>
-              <a:t>:</a:t>
-            </a:r>
             <a:br>
-              <a:rPr lang="fr-FR" dirty="0" smtClean="0"/>
+              <a:rPr lang="fr-FR" dirty="0">
+                <a:latin typeface="Roboto Light"/>
+                <a:cs typeface="Roboto Light"/>
+              </a:rPr>
             </a:br>
-            <a:r>
-              <a:rPr lang="fr-FR" dirty="0" smtClean="0"/>
-              <a:t>GPS </a:t>
-            </a:r>
-            <a:r>
-              <a:rPr lang="fr-FR" dirty="0"/>
-              <a:t>Signal </a:t>
-            </a:r>
-            <a:r>
-              <a:rPr lang="fr-FR" dirty="0" err="1"/>
-              <a:t>Following</a:t>
-            </a:r>
-            <a:r>
-              <a:rPr lang="fr-FR" dirty="0"/>
-              <a:t> </a:t>
-            </a:r>
-            <a:br>
-              <a:rPr lang="fr-FR" dirty="0"/>
-            </a:br>
-            <a:endParaRPr lang="fr-FR" dirty="0"/>
+            <a:endParaRPr lang="fr-FR" dirty="0">
+              <a:latin typeface="Roboto Light"/>
+              <a:cs typeface="Roboto Light"/>
+            </a:endParaRPr>
           </a:p>
         </p:txBody>
       </p:sp>
@@ -3193,10 +3229,16 @@
           <a:p>
             <a:pPr algn="l"/>
             <a:r>
-              <a:rPr lang="fr-FR" sz="2000" dirty="0" smtClean="0"/>
+              <a:rPr lang="fr-FR" sz="2000" dirty="0" smtClean="0">
+                <a:latin typeface="Roboto Light"/>
+                <a:cs typeface="Roboto Light"/>
+              </a:rPr>
               <a:t>Group N°11 (GPS 1)</a:t>
             </a:r>
-            <a:endParaRPr lang="fr-FR" sz="2000" dirty="0"/>
+            <a:endParaRPr lang="fr-FR" sz="2000" dirty="0">
+              <a:latin typeface="Roboto Light"/>
+              <a:cs typeface="Roboto Light"/>
+            </a:endParaRPr>
           </a:p>
         </p:txBody>
       </p:sp>
@@ -3223,61 +3265,127 @@
           <a:lstStyle/>
           <a:p>
             <a:r>
-              <a:rPr lang="fr-FR" sz="2400" dirty="0" err="1"/>
+              <a:rPr lang="fr-FR" sz="2400" dirty="0" err="1">
+                <a:latin typeface="Roboto Light"/>
+                <a:cs typeface="Roboto Light"/>
+              </a:rPr>
               <a:t>Arreguit</a:t>
             </a:r>
             <a:r>
-              <a:rPr lang="fr-FR" sz="2400" dirty="0"/>
+              <a:rPr lang="fr-FR" sz="2400" dirty="0">
+                <a:latin typeface="Roboto Light"/>
+                <a:cs typeface="Roboto Light"/>
+              </a:rPr>
               <a:t> </a:t>
             </a:r>
             <a:r>
-              <a:rPr lang="fr-FR" sz="2400" dirty="0" smtClean="0"/>
+              <a:rPr lang="fr-FR" sz="2400" dirty="0" smtClean="0">
+                <a:latin typeface="Roboto Light"/>
+                <a:cs typeface="Roboto Light"/>
+              </a:rPr>
               <a:t>Jonathan</a:t>
             </a:r>
           </a:p>
           <a:p>
             <a:r>
-              <a:rPr lang="fr-FR" sz="2400" dirty="0" smtClean="0"/>
+              <a:rPr lang="fr-FR" sz="2400" dirty="0" smtClean="0">
+                <a:latin typeface="Roboto Light"/>
+                <a:cs typeface="Roboto Light"/>
+              </a:rPr>
               <a:t>Konrad Dorian</a:t>
             </a:r>
           </a:p>
           <a:p>
             <a:r>
-              <a:rPr lang="fr-FR" sz="2400" dirty="0" err="1" smtClean="0"/>
+              <a:rPr lang="fr-FR" sz="2400" dirty="0" err="1" smtClean="0">
+                <a:latin typeface="Roboto Light"/>
+                <a:cs typeface="Roboto Light"/>
+              </a:rPr>
               <a:t>Missri</a:t>
             </a:r>
             <a:r>
-              <a:rPr lang="fr-FR" sz="2400" dirty="0" smtClean="0"/>
+              <a:rPr lang="fr-FR" sz="2400" dirty="0" smtClean="0">
+                <a:latin typeface="Roboto Light"/>
+                <a:cs typeface="Roboto Light"/>
+              </a:rPr>
               <a:t> </a:t>
             </a:r>
             <a:r>
-              <a:rPr lang="fr-FR" sz="2400" dirty="0"/>
+              <a:rPr lang="fr-FR" sz="2400" dirty="0">
+                <a:latin typeface="Roboto Light"/>
+                <a:cs typeface="Roboto Light"/>
+              </a:rPr>
               <a:t>Salah-</a:t>
             </a:r>
             <a:r>
-              <a:rPr lang="fr-FR" sz="2400" dirty="0" smtClean="0"/>
+              <a:rPr lang="fr-FR" sz="2400" dirty="0" smtClean="0">
+                <a:latin typeface="Roboto Light"/>
+                <a:cs typeface="Roboto Light"/>
+              </a:rPr>
               <a:t>Eddine</a:t>
             </a:r>
           </a:p>
           <a:p>
             <a:r>
-              <a:rPr lang="fr-FR" sz="2400" dirty="0" err="1" smtClean="0"/>
+              <a:rPr lang="fr-FR" sz="2400" dirty="0" err="1" smtClean="0">
+                <a:latin typeface="Roboto Light"/>
+                <a:cs typeface="Roboto Light"/>
+              </a:rPr>
               <a:t>Tauxe</a:t>
             </a:r>
             <a:r>
-              <a:rPr lang="fr-FR" sz="2400" dirty="0" smtClean="0"/>
+              <a:rPr lang="fr-FR" sz="2400" dirty="0" smtClean="0">
+                <a:latin typeface="Roboto Light"/>
+                <a:cs typeface="Roboto Light"/>
+              </a:rPr>
               <a:t> </a:t>
             </a:r>
             <a:r>
-              <a:rPr lang="fr-FR" sz="2400" dirty="0"/>
+              <a:rPr lang="fr-FR" sz="2400" dirty="0">
+                <a:latin typeface="Roboto Light"/>
+                <a:cs typeface="Roboto Light"/>
+              </a:rPr>
               <a:t>David </a:t>
             </a:r>
           </a:p>
           <a:p>
-            <a:endParaRPr lang="fr-FR" sz="2400" dirty="0"/>
-          </a:p>
-        </p:txBody>
-      </p:sp>
+            <a:endParaRPr lang="fr-FR" sz="2400" dirty="0">
+              <a:latin typeface="Roboto  "/>
+              <a:cs typeface="Roboto  "/>
+            </a:endParaRPr>
+          </a:p>
+        </p:txBody>
+      </p:sp>
+      <p:pic>
+        <p:nvPicPr>
+          <p:cNvPr id="5" name="Image 4" descr="logo.png"/>
+          <p:cNvPicPr>
+            <a:picLocks noChangeAspect="1"/>
+          </p:cNvPicPr>
+          <p:nvPr/>
+        </p:nvPicPr>
+        <p:blipFill>
+          <a:blip r:embed="rId2">
+            <a:extLst>
+              <a:ext uri="{28A0092B-C50C-407E-A947-70E740481C1C}">
+                <a14:useLocalDpi xmlns:a14="http://schemas.microsoft.com/office/drawing/2010/main" val="0"/>
+              </a:ext>
+            </a:extLst>
+          </a:blip>
+          <a:stretch>
+            <a:fillRect/>
+          </a:stretch>
+        </p:blipFill>
+        <p:spPr>
+          <a:xfrm rot="20012932">
+            <a:off x="403882" y="403884"/>
+            <a:ext cx="2370559" cy="2370559"/>
+          </a:xfrm>
+          <a:prstGeom prst="rect">
+            <a:avLst/>
+          </a:prstGeom>
+        </p:spPr>
+      </p:pic>
     </p:spTree>
     <p:extLst>
       <p:ext uri="{BB962C8B-B14F-4D97-AF65-F5344CB8AC3E}">
@@ -3360,19 +3468,39 @@
           <a:p>
             <a:r>
               <a:rPr lang="fr-FR" dirty="0" smtClean="0"/>
-              <a:t>Dimension </a:t>
-            </a:r>
-            <a:r>
-              <a:rPr lang="fr-FR" dirty="0" err="1" smtClean="0"/>
-              <a:t>decoupling</a:t>
+              <a:t>The d</a:t>
+            </a:r>
+            <a:r>
+              <a:rPr lang="fr-FR" dirty="0" smtClean="0"/>
+              <a:t>imensions are </a:t>
+            </a:r>
+            <a:r>
+              <a:rPr lang="fr-FR" dirty="0" err="1" smtClean="0"/>
+              <a:t>decoupled</a:t>
             </a:r>
             <a:endParaRPr lang="fr-FR" dirty="0" smtClean="0"/>
           </a:p>
           <a:p>
             <a:pPr lvl="1"/>
             <a:r>
-              <a:rPr lang="fr-FR" dirty="0" smtClean="0"/>
-              <a:t>Can </a:t>
+              <a:rPr lang="fr-FR" dirty="0" err="1" smtClean="0"/>
+              <a:t>We</a:t>
+            </a:r>
+            <a:r>
+              <a:rPr lang="fr-FR" dirty="0" smtClean="0"/>
+              <a:t> </a:t>
+            </a:r>
+            <a:r>
+              <a:rPr lang="fr-FR" dirty="0" err="1" smtClean="0"/>
+              <a:t>c</a:t>
+            </a:r>
+            <a:r>
+              <a:rPr lang="fr-FR" dirty="0" err="1" smtClean="0"/>
+              <a:t>an</a:t>
+            </a:r>
+            <a:r>
+              <a:rPr lang="fr-FR" dirty="0" smtClean="0"/>
+              <a:t> </a:t>
             </a:r>
             <a:r>
               <a:rPr lang="fr-FR" dirty="0" err="1" smtClean="0"/>
@@ -3399,12 +3527,24 @@
           </a:p>
           <a:p>
             <a:r>
-              <a:rPr lang="fr-FR" dirty="0" err="1" smtClean="0"/>
-              <a:t>Waypoint</a:t>
-            </a:r>
-            <a:r>
-              <a:rPr lang="fr-FR" dirty="0" smtClean="0"/>
-              <a:t> data </a:t>
+              <a:rPr lang="fr-FR" dirty="0" smtClean="0"/>
+              <a:t>The </a:t>
+            </a:r>
+            <a:r>
+              <a:rPr lang="fr-FR" dirty="0" err="1" smtClean="0"/>
+              <a:t>w</a:t>
+            </a:r>
+            <a:r>
+              <a:rPr lang="fr-FR" dirty="0" err="1" smtClean="0"/>
+              <a:t>aypoint</a:t>
+            </a:r>
+            <a:r>
+              <a:rPr lang="fr-FR" dirty="0" smtClean="0"/>
+              <a:t> </a:t>
+            </a:r>
+            <a:r>
+              <a:rPr lang="fr-FR" dirty="0" smtClean="0"/>
+              <a:t>data </a:t>
             </a:r>
             <a:r>
               <a:rPr lang="fr-FR" dirty="0" err="1" smtClean="0"/>
@@ -3432,7 +3572,11 @@
             </a:r>
             <a:r>
               <a:rPr lang="fr-FR" dirty="0" err="1" smtClean="0"/>
-              <a:t>Quadcopter</a:t>
+              <a:t>q</a:t>
+            </a:r>
+            <a:r>
+              <a:rPr lang="fr-FR" dirty="0" err="1" smtClean="0"/>
+              <a:t>uadrotor</a:t>
             </a:r>
             <a:r>
               <a:rPr lang="fr-FR" dirty="0" smtClean="0"/>
@@ -3442,10 +3586,7 @@
               <a:rPr lang="fr-FR" dirty="0" err="1" smtClean="0"/>
               <a:t>error</a:t>
             </a:r>
-            <a:r>
-              <a:rPr lang="fr-FR" dirty="0" smtClean="0"/>
-              <a:t>.</a:t>
-            </a:r>
+            <a:endParaRPr lang="fr-FR" dirty="0" smtClean="0"/>
           </a:p>
           <a:p>
             <a:endParaRPr lang="fr-FR" dirty="0" smtClean="0"/>
@@ -4189,16 +4330,29 @@
             <p:ph type="title"/>
           </p:nvPr>
         </p:nvSpPr>
-        <p:spPr/>
+        <p:spPr>
+          <a:xfrm>
+            <a:off x="457200" y="726768"/>
+            <a:ext cx="8229600" cy="873432"/>
+          </a:xfrm>
+        </p:spPr>
         <p:txBody>
           <a:bodyPr>
-            <a:normAutofit fontScale="90000"/>
+            <a:noAutofit/>
           </a:bodyPr>
           <a:lstStyle/>
           <a:p>
             <a:r>
               <a:rPr lang="fr-FR" dirty="0" err="1" smtClean="0"/>
               <a:t>Kalman</a:t>
+            </a:r>
+            <a:r>
+              <a:rPr lang="fr-FR" dirty="0" smtClean="0"/>
+              <a:t> </a:t>
+            </a:r>
+            <a:r>
+              <a:rPr lang="fr-FR" dirty="0" err="1" smtClean="0"/>
+              <a:t>predictor</a:t>
             </a:r>
             <a:r>
               <a:rPr lang="fr-FR" dirty="0" smtClean="0"/>
@@ -4221,68 +4375,192 @@
             <p:ph idx="1"/>
           </p:nvPr>
         </p:nvSpPr>
-        <p:spPr/>
+        <p:spPr>
+          <a:xfrm>
+            <a:off x="457200" y="1600200"/>
+            <a:ext cx="8229600" cy="3711968"/>
+          </a:xfrm>
+        </p:spPr>
         <p:txBody>
           <a:bodyPr>
-            <a:normAutofit lnSpcReduction="10000"/>
+            <a:normAutofit fontScale="92500" lnSpcReduction="20000"/>
           </a:bodyPr>
           <a:lstStyle/>
           <a:p>
             <a:r>
-              <a:rPr lang="fr-FR" dirty="0" smtClean="0"/>
-              <a:t>Permet de formaliser la démarche et de prendre en compte des incertitudes sur l’</a:t>
-            </a:r>
-            <a:r>
-              <a:rPr lang="fr-FR" dirty="0" err="1" smtClean="0"/>
-              <a:t>accelération</a:t>
-            </a:r>
-            <a:r>
-              <a:rPr lang="fr-FR" dirty="0" smtClean="0"/>
-              <a:t>.</a:t>
-            </a:r>
-          </a:p>
-          <a:p>
-            <a:r>
-              <a:rPr lang="fr-FR" dirty="0" err="1"/>
-              <a:t>Decoupling</a:t>
-            </a:r>
+              <a:rPr lang="fr-FR" dirty="0" err="1" smtClean="0"/>
+              <a:t>Kalman</a:t>
+            </a:r>
+            <a:r>
+              <a:rPr lang="fr-FR" dirty="0" smtClean="0"/>
+              <a:t> </a:t>
+            </a:r>
+            <a:r>
+              <a:rPr lang="fr-FR" dirty="0" err="1" smtClean="0"/>
+              <a:t>filter</a:t>
+            </a:r>
+            <a:r>
+              <a:rPr lang="fr-FR" dirty="0" smtClean="0"/>
+              <a:t> </a:t>
+            </a:r>
+            <a:r>
+              <a:rPr lang="fr-FR" dirty="0" err="1" smtClean="0"/>
+              <a:t>used</a:t>
+            </a:r>
+            <a:r>
+              <a:rPr lang="fr-FR" dirty="0" smtClean="0"/>
+              <a:t> as a </a:t>
+            </a:r>
+            <a:r>
+              <a:rPr lang="fr-FR" dirty="0" err="1" smtClean="0"/>
+              <a:t>predictor</a:t>
+            </a:r>
+            <a:r>
+              <a:rPr lang="fr-FR" dirty="0" smtClean="0"/>
+              <a:t>:</a:t>
+            </a:r>
+            <a:endParaRPr lang="fr-FR" dirty="0"/>
+          </a:p>
+          <a:p>
+            <a:pPr lvl="1"/>
+            <a:r>
+              <a:rPr lang="fr-FR" dirty="0" err="1" smtClean="0"/>
+              <a:t>P</a:t>
+            </a:r>
+            <a:r>
+              <a:rPr lang="fr-FR" dirty="0" err="1" smtClean="0"/>
+              <a:t>rediction</a:t>
+            </a:r>
+            <a:r>
+              <a:rPr lang="fr-FR" dirty="0" smtClean="0"/>
+              <a:t> </a:t>
+            </a:r>
+            <a:r>
+              <a:rPr lang="fr-FR" dirty="0" err="1" smtClean="0"/>
+              <a:t>loop</a:t>
+            </a:r>
+            <a:r>
+              <a:rPr lang="fr-FR" dirty="0" smtClean="0"/>
+              <a:t> </a:t>
+            </a:r>
+            <a:r>
+              <a:rPr lang="fr-FR" dirty="0" err="1" smtClean="0"/>
+              <a:t>runs</a:t>
+            </a:r>
+            <a:r>
+              <a:rPr lang="fr-FR" dirty="0" smtClean="0"/>
+              <a:t> </a:t>
+            </a:r>
+            <a:r>
+              <a:rPr lang="fr-FR" dirty="0" err="1" smtClean="0"/>
+              <a:t>constantly</a:t>
+            </a:r>
+            <a:endParaRPr lang="fr-FR" dirty="0" smtClean="0"/>
+          </a:p>
+          <a:p>
+            <a:pPr lvl="1"/>
             <a:r>
               <a:rPr lang="fr-FR" dirty="0"/>
-              <a:t> the </a:t>
-            </a:r>
-            <a:r>
-              <a:rPr lang="fr-FR" dirty="0" err="1"/>
-              <a:t>Kalman</a:t>
+              <a:t>C</a:t>
+            </a:r>
+            <a:r>
+              <a:rPr lang="fr-FR" dirty="0" smtClean="0"/>
+              <a:t>orrection of the </a:t>
+            </a:r>
+            <a:r>
+              <a:rPr lang="fr-FR" dirty="0" err="1" smtClean="0"/>
+              <a:t>prediction</a:t>
+            </a:r>
+            <a:r>
+              <a:rPr lang="fr-FR" dirty="0" smtClean="0"/>
+              <a:t> </a:t>
+            </a:r>
+            <a:r>
+              <a:rPr lang="fr-FR" dirty="0" err="1" smtClean="0"/>
+              <a:t>happens</a:t>
+            </a:r>
+            <a:r>
+              <a:rPr lang="fr-FR" dirty="0" smtClean="0"/>
+              <a:t> </a:t>
+            </a:r>
+            <a:r>
+              <a:rPr lang="fr-FR" dirty="0" err="1" smtClean="0"/>
+              <a:t>only</a:t>
+            </a:r>
+            <a:r>
+              <a:rPr lang="fr-FR" dirty="0" smtClean="0"/>
+              <a:t> </a:t>
+            </a:r>
+            <a:r>
+              <a:rPr lang="fr-FR" dirty="0" err="1" smtClean="0"/>
+              <a:t>when</a:t>
+            </a:r>
+            <a:r>
+              <a:rPr lang="fr-FR" dirty="0" smtClean="0"/>
+              <a:t> </a:t>
+            </a:r>
+            <a:r>
+              <a:rPr lang="fr-FR" dirty="0" err="1" smtClean="0"/>
+              <a:t>there</a:t>
+            </a:r>
+            <a:r>
+              <a:rPr lang="fr-FR" dirty="0" smtClean="0"/>
+              <a:t> </a:t>
+            </a:r>
+            <a:r>
+              <a:rPr lang="fr-FR" dirty="0" err="1" smtClean="0"/>
+              <a:t>is</a:t>
             </a:r>
             <a:r>
               <a:rPr lang="fr-FR" dirty="0"/>
               <a:t> </a:t>
             </a:r>
             <a:r>
-              <a:rPr lang="fr-FR" dirty="0" err="1"/>
-              <a:t>predictor</a:t>
-            </a:r>
-            <a:r>
-              <a:rPr lang="fr-FR" dirty="0"/>
+              <a:rPr lang="fr-FR" dirty="0" smtClean="0"/>
+              <a:t>a new </a:t>
+            </a:r>
+            <a:r>
+              <a:rPr lang="fr-FR" dirty="0" err="1" smtClean="0"/>
+              <a:t>measurement</a:t>
+            </a:r>
+            <a:r>
+              <a:rPr lang="fr-FR" dirty="0" smtClean="0"/>
+              <a:t> (</a:t>
+            </a:r>
+            <a:r>
+              <a:rPr lang="fr-FR" dirty="0" err="1" smtClean="0"/>
+              <a:t>ie</a:t>
+            </a:r>
+            <a:r>
+              <a:rPr lang="fr-FR" dirty="0" smtClean="0"/>
               <a:t> </a:t>
             </a:r>
             <a:r>
-              <a:rPr lang="fr-FR" dirty="0" smtClean="0"/>
-              <a:t>(</a:t>
-            </a:r>
-            <a:r>
-              <a:rPr lang="fr-FR" dirty="0" err="1" smtClean="0"/>
-              <a:t>assumption</a:t>
+              <a:rPr lang="fr-FR" dirty="0" err="1" smtClean="0"/>
+              <a:t>received</a:t>
+            </a:r>
+            <a:r>
+              <a:rPr lang="fr-FR" dirty="0" smtClean="0"/>
+              <a:t> </a:t>
+            </a:r>
+            <a:r>
+              <a:rPr lang="fr-FR" dirty="0" err="1" smtClean="0"/>
+              <a:t>waypoint</a:t>
             </a:r>
             <a:r>
               <a:rPr lang="fr-FR" dirty="0" smtClean="0"/>
               <a:t>)</a:t>
             </a:r>
-            <a:endParaRPr lang="fr-FR" dirty="0"/>
-          </a:p>
-          <a:p>
-            <a:r>
-              <a:rPr lang="fr-FR" dirty="0"/>
+          </a:p>
+          <a:p>
+            <a:pPr marL="457200" lvl="1" indent="0">
+              <a:buNone/>
+            </a:pPr>
+            <a:endParaRPr lang="fr-FR" sz="1200" dirty="0" smtClean="0"/>
+          </a:p>
+          <a:p>
+            <a:r>
+              <a:rPr lang="fr-FR" dirty="0" smtClean="0"/>
               <a:t>Constant </a:t>
             </a:r>
             <a:r>
@@ -4291,172 +4569,34 @@
             </a:r>
             <a:r>
               <a:rPr lang="fr-FR" dirty="0"/>
+              <a:t> motion </a:t>
+            </a:r>
+            <a:r>
+              <a:rPr lang="fr-FR" dirty="0" smtClean="0"/>
+              <a:t>model</a:t>
+            </a:r>
+          </a:p>
+          <a:p>
+            <a:endParaRPr lang="fr-FR" sz="1800" dirty="0" smtClean="0"/>
+          </a:p>
+          <a:p>
+            <a:pPr marL="0" indent="0">
+              <a:buNone/>
+            </a:pPr>
+            <a:endParaRPr lang="fr-FR" dirty="0"/>
+          </a:p>
+          <a:p>
+            <a:r>
+              <a:rPr lang="fr-FR" dirty="0" smtClean="0"/>
+              <a:t>Constant </a:t>
+            </a:r>
+            <a:r>
+              <a:rPr lang="fr-FR" dirty="0" err="1" smtClean="0"/>
+              <a:t>acceleration</a:t>
+            </a:r>
+            <a:r>
+              <a:rPr lang="fr-FR" dirty="0" smtClean="0"/>
               <a:t> motion model </a:t>
-            </a:r>
-          </a:p>
-          <a:p>
-            <a:pPr lvl="1"/>
-            <a:r>
-              <a:rPr lang="fr-FR" dirty="0"/>
-              <a:t>􏰂 </a:t>
-            </a:r>
-            <a:r>
-              <a:rPr lang="fr-FR" dirty="0" err="1"/>
-              <a:t>xk</a:t>
-            </a:r>
-            <a:r>
-              <a:rPr lang="fr-FR" dirty="0"/>
-              <a:t> =xk−1 +x ̇k−1∆</a:t>
-            </a:r>
-            <a:r>
-              <a:rPr lang="fr-FR" dirty="0" smtClean="0"/>
-              <a:t>t</a:t>
-            </a:r>
-          </a:p>
-          <a:p>
-            <a:r>
-              <a:rPr lang="fr-FR" dirty="0" smtClean="0"/>
-              <a:t> </a:t>
-            </a:r>
-            <a:r>
-              <a:rPr lang="fr-FR" dirty="0"/>
-              <a:t>Constant </a:t>
-            </a:r>
-            <a:r>
-              <a:rPr lang="fr-FR" dirty="0" err="1"/>
-              <a:t>acceleration</a:t>
-            </a:r>
-            <a:r>
-              <a:rPr lang="fr-FR" dirty="0"/>
-              <a:t> motion model </a:t>
-            </a:r>
-            <a:endParaRPr lang="fr-FR" dirty="0" smtClean="0"/>
-          </a:p>
-          <a:p>
-            <a:pPr lvl="1"/>
-            <a:r>
-              <a:rPr lang="cs-CZ" dirty="0" err="1"/>
-              <a:t>x</a:t>
-            </a:r>
-            <a:r>
-              <a:rPr lang="cs-CZ" dirty="0"/>
-              <a:t> </a:t>
-            </a:r>
-            <a:r>
-              <a:rPr lang="cs-CZ" sz="1200" dirty="0"/>
-              <a:t>k </a:t>
-            </a:r>
-            <a:r>
-              <a:rPr lang="cs-CZ" dirty="0"/>
-              <a:t>= </a:t>
-            </a:r>
-            <a:r>
-              <a:rPr lang="cs-CZ" dirty="0" err="1"/>
-              <a:t>x</a:t>
-            </a:r>
-            <a:r>
-              <a:rPr lang="cs-CZ" dirty="0"/>
-              <a:t> </a:t>
-            </a:r>
-            <a:r>
-              <a:rPr lang="cs-CZ" sz="1200" dirty="0"/>
-              <a:t>k − 1 </a:t>
-            </a:r>
-            <a:r>
-              <a:rPr lang="cs-CZ" dirty="0"/>
-              <a:t>+ </a:t>
-            </a:r>
-            <a:r>
-              <a:rPr lang="cs-CZ" dirty="0" err="1"/>
-              <a:t>x</a:t>
-            </a:r>
-            <a:r>
-              <a:rPr lang="cs-CZ" dirty="0"/>
-              <a:t> ̇ </a:t>
-            </a:r>
-            <a:r>
-              <a:rPr lang="cs-CZ" sz="1200" dirty="0"/>
-              <a:t>k − 1 </a:t>
-            </a:r>
-            <a:r>
-              <a:rPr lang="cs-CZ" dirty="0"/>
-              <a:t>∆ t + </a:t>
-            </a:r>
-            <a:r>
-              <a:rPr lang="cs-CZ" sz="1200" dirty="0"/>
-              <a:t>1 </a:t>
-            </a:r>
-            <a:r>
-              <a:rPr lang="cs-CZ" dirty="0" err="1"/>
-              <a:t>x</a:t>
-            </a:r>
-            <a:r>
-              <a:rPr lang="cs-CZ" dirty="0"/>
-              <a:t> ̈ </a:t>
-            </a:r>
-            <a:r>
-              <a:rPr lang="cs-CZ" sz="1200" dirty="0"/>
-              <a:t>k − 1 </a:t>
-            </a:r>
-            <a:r>
-              <a:rPr lang="cs-CZ" dirty="0"/>
-              <a:t>∆ t </a:t>
-            </a:r>
-            <a:r>
-              <a:rPr lang="cs-CZ" sz="1200" dirty="0"/>
-              <a:t>2 2 </a:t>
-            </a:r>
-            <a:endParaRPr lang="cs-CZ" dirty="0"/>
-          </a:p>
-          <a:p>
-            <a:pPr lvl="1"/>
-            <a:r>
-              <a:rPr lang="cs-CZ" dirty="0" err="1"/>
-              <a:t>x</a:t>
-            </a:r>
-            <a:r>
-              <a:rPr lang="cs-CZ" dirty="0"/>
-              <a:t> ̇ </a:t>
-            </a:r>
-            <a:r>
-              <a:rPr lang="cs-CZ" sz="1200" dirty="0"/>
-              <a:t>k </a:t>
-            </a:r>
-            <a:r>
-              <a:rPr lang="cs-CZ" dirty="0"/>
-              <a:t>= </a:t>
-            </a:r>
-            <a:r>
-              <a:rPr lang="cs-CZ" dirty="0" err="1"/>
-              <a:t>x</a:t>
-            </a:r>
-            <a:r>
-              <a:rPr lang="cs-CZ" dirty="0"/>
-              <a:t> ̇ </a:t>
-            </a:r>
-            <a:r>
-              <a:rPr lang="cs-CZ" sz="1200" dirty="0"/>
-              <a:t>k − 1 </a:t>
-            </a:r>
-            <a:r>
-              <a:rPr lang="cs-CZ" dirty="0"/>
-              <a:t>+ </a:t>
-            </a:r>
-            <a:r>
-              <a:rPr lang="cs-CZ" dirty="0" err="1"/>
-              <a:t>x</a:t>
-            </a:r>
-            <a:r>
-              <a:rPr lang="cs-CZ" dirty="0"/>
-              <a:t> ̈ </a:t>
-            </a:r>
-            <a:r>
-              <a:rPr lang="cs-CZ" sz="1200" dirty="0"/>
-              <a:t>k − 1 </a:t>
-            </a:r>
-            <a:r>
-              <a:rPr lang="cs-CZ" dirty="0"/>
-              <a:t>∆ t </a:t>
             </a:r>
           </a:p>
           <a:p>
@@ -4465,14 +4605,70 @@
           </a:p>
           <a:p>
             <a:pPr lvl="1"/>
-            <a:endParaRPr lang="fr-FR" dirty="0"/>
-          </a:p>
-          <a:p>
-            <a:pPr lvl="1"/>
             <a:endParaRPr lang="fr-FR" dirty="0" smtClean="0"/>
           </a:p>
         </p:txBody>
       </p:sp>
+      <p:pic>
+        <p:nvPicPr>
+          <p:cNvPr id="6" name="Image 5" descr="equcstacc.png"/>
+          <p:cNvPicPr>
+            <a:picLocks noChangeAspect="1"/>
+          </p:cNvPicPr>
+          <p:nvPr/>
+        </p:nvPicPr>
+        <p:blipFill>
+          <a:blip r:embed="rId2" cstate="print">
+            <a:extLst>
+              <a:ext uri="{28A0092B-C50C-407E-A947-70E740481C1C}">
+                <a14:useLocalDpi xmlns:a14="http://schemas.microsoft.com/office/drawing/2010/main" val="0"/>
+              </a:ext>
+            </a:extLst>
+          </a:blip>
+          <a:stretch>
+            <a:fillRect/>
+          </a:stretch>
+        </p:blipFill>
+        <p:spPr>
+          <a:xfrm>
+            <a:off x="1037731" y="5226975"/>
+            <a:ext cx="5440502" cy="1115810"/>
+          </a:xfrm>
+          <a:prstGeom prst="rect">
+            <a:avLst/>
+          </a:prstGeom>
+        </p:spPr>
+      </p:pic>
+      <p:pic>
+        <p:nvPicPr>
+          <p:cNvPr id="7" name="Image 6" descr="equcstvel.png"/>
+          <p:cNvPicPr>
+            <a:picLocks noChangeAspect="1"/>
+          </p:cNvPicPr>
+          <p:nvPr/>
+        </p:nvPicPr>
+        <p:blipFill>
+          <a:blip r:embed="rId3">
+            <a:extLst>
+              <a:ext uri="{28A0092B-C50C-407E-A947-70E740481C1C}">
+                <a14:useLocalDpi xmlns:a14="http://schemas.microsoft.com/office/drawing/2010/main" val="0"/>
+              </a:ext>
+            </a:extLst>
+          </a:blip>
+          <a:stretch>
+            <a:fillRect/>
+          </a:stretch>
+        </p:blipFill>
+        <p:spPr>
+          <a:xfrm>
+            <a:off x="1099683" y="4060453"/>
+            <a:ext cx="3794672" cy="756121"/>
+          </a:xfrm>
+          <a:prstGeom prst="rect">
+            <a:avLst/>
+          </a:prstGeom>
+        </p:spPr>
+      </p:pic>
     </p:spTree>
     <p:extLst>
       <p:ext uri="{BB962C8B-B14F-4D97-AF65-F5344CB8AC3E}">
@@ -4829,7 +5025,7 @@
       </p:sp>
       <p:pic>
         <p:nvPicPr>
-          <p:cNvPr id="7" name="Image 6" descr="PId.png"/>
+          <p:cNvPr id="7" name="Image 6"/>
           <p:cNvPicPr>
             <a:picLocks noChangeAspect="1"/>
           </p:cNvPicPr>
@@ -4849,8 +5045,8 @@
         </p:blipFill>
         <p:spPr>
           <a:xfrm>
-            <a:off x="806966" y="1651000"/>
-            <a:ext cx="7635732" cy="4193640"/>
+            <a:off x="837028" y="1651000"/>
+            <a:ext cx="7575607" cy="4193640"/>
           </a:xfrm>
           <a:prstGeom prst="rect">
             <a:avLst/>

--- a/Presentation/Presentation.pptx
+++ b/Presentation/Presentation.pptx
@@ -5098,8 +5098,8 @@
         </p:nvSpPr>
         <p:spPr>
           <a:xfrm>
-            <a:off x="300182" y="2251364"/>
-            <a:ext cx="8497454" cy="2782454"/>
+            <a:off x="136889" y="2251364"/>
+            <a:ext cx="8829345" cy="2593156"/>
           </a:xfrm>
           <a:prstGeom prst="roundRect">
             <a:avLst/>
@@ -5138,7 +5138,12 @@
             <p:ph type="title"/>
           </p:nvPr>
         </p:nvSpPr>
-        <p:spPr/>
+        <p:spPr>
+          <a:xfrm>
+            <a:off x="457200" y="274637"/>
+            <a:ext cx="8229600" cy="1801585"/>
+          </a:xfrm>
+        </p:spPr>
         <p:txBody>
           <a:bodyPr>
             <a:normAutofit/>
@@ -5155,15 +5160,13 @@
       </p:sp>
       <p:pic>
         <p:nvPicPr>
-          <p:cNvPr id="6" name="Espace réservé du contenu 5" descr="System.png"/>
+          <p:cNvPr id="3" name="Image 2" descr="Final_system_organigram.png"/>
           <p:cNvPicPr>
-            <a:picLocks noGrp="1" noChangeAspect="1"/>
+            <a:picLocks noChangeAspect="1"/>
           </p:cNvPicPr>
-          <p:nvPr>
-            <p:ph idx="1"/>
-          </p:nvPr>
+          <p:nvPr/>
         </p:nvPicPr>
-        <p:blipFill rotWithShape="1">
+        <p:blipFill>
           <a:blip r:embed="rId2">
             <a:extLst>
               <a:ext uri="{28A0092B-C50C-407E-A947-70E740481C1C}">
@@ -5171,14 +5174,18 @@
               </a:ext>
             </a:extLst>
           </a:blip>
-          <a:srcRect l="-10383" t="-17784" r="-4040" b="-7844"/>
-          <a:stretch/>
+          <a:stretch>
+            <a:fillRect/>
+          </a:stretch>
         </p:blipFill>
         <p:spPr>
           <a:xfrm>
-            <a:off x="-92364" y="2105872"/>
-            <a:ext cx="8779164" cy="2760904"/>
+            <a:off x="381071" y="2450946"/>
+            <a:ext cx="8345323" cy="2203443"/>
           </a:xfrm>
+          <a:prstGeom prst="rect">
+            <a:avLst/>
+          </a:prstGeom>
         </p:spPr>
       </p:pic>
     </p:spTree>

--- a/Presentation/Presentation.pptx
+++ b/Presentation/Presentation.pptx
@@ -3396,6 +3396,14 @@
   <p:clrMapOvr>
     <a:masterClrMapping/>
   </p:clrMapOvr>
+  <mc:AlternateContent xmlns:mc="http://schemas.openxmlformats.org/markup-compatibility/2006">
+    <mc:Choice xmlns:p14="http://schemas.microsoft.com/office/powerpoint/2010/main" Requires="p14">
+      <p:transition spd="slow" p14:dur="2000" advTm="0"/>
+    </mc:Choice>
+    <mc:Fallback>
+      <p:transition xmlns:p14="http://schemas.microsoft.com/office/powerpoint/2010/main" spd="slow" advTm="0"/>
+    </mc:Fallback>
+  </mc:AlternateContent>
   <p:timing>
     <p:tnLst>
       <p:par>
@@ -3472,11 +3480,19 @@
             </a:r>
             <a:r>
               <a:rPr lang="fr-FR" dirty="0" smtClean="0"/>
-              <a:t>imensions are </a:t>
-            </a:r>
-            <a:r>
-              <a:rPr lang="fr-FR" dirty="0" err="1" smtClean="0"/>
-              <a:t>decoupled</a:t>
+              <a:t>imensions </a:t>
+            </a:r>
+            <a:r>
+              <a:rPr lang="fr-FR" smtClean="0"/>
+              <a:t>are </a:t>
+            </a:r>
+            <a:r>
+              <a:rPr lang="fr-FR" smtClean="0"/>
+              <a:t>not </a:t>
+            </a:r>
+            <a:r>
+              <a:rPr lang="fr-FR" smtClean="0"/>
+              <a:t>coupled</a:t>
             </a:r>
             <a:endParaRPr lang="fr-FR" dirty="0" smtClean="0"/>
           </a:p>
@@ -3603,6 +3619,14 @@
   <p:clrMapOvr>
     <a:masterClrMapping/>
   </p:clrMapOvr>
+  <mc:AlternateContent xmlns:mc="http://schemas.openxmlformats.org/markup-compatibility/2006">
+    <mc:Choice xmlns:p14="http://schemas.microsoft.com/office/powerpoint/2010/main" Requires="p14">
+      <p:transition spd="slow" p14:dur="2000" advTm="2590"/>
+    </mc:Choice>
+    <mc:Fallback>
+      <p:transition xmlns:p14="http://schemas.microsoft.com/office/powerpoint/2010/main" spd="slow" advTm="2590"/>
+    </mc:Fallback>
+  </mc:AlternateContent>
   <p:timing>
     <p:tnLst>
       <p:par>
